--- a/Prática de Gestão de projetos/Marketing/P1/Café & Glicerina e.pptx
+++ b/Prática de Gestão de projetos/Marketing/P1/Café & Glicerina e.pptx
@@ -1859,18 +1859,18 @@
         <a:bodyPr rtlCol="0"/>
         <a:lstStyle/>
         <a:p>
-          <a:pPr rtl="0">
+          <a:pPr>
             <a:lnSpc>
               <a:spcPct val="100000"/>
             </a:lnSpc>
             <a:defRPr cap="all"/>
           </a:pPr>
           <a:r>
-            <a:rPr lang="pt-BR" sz="2100" noProof="0" dirty="0" smtClean="0"/>
+            <a:rPr lang="pt-BR" sz="2100" noProof="0" dirty="0"/>
             <a:t>Produtos</a:t>
           </a:r>
           <a:r>
-            <a:rPr lang="pt-BR" sz="2100" baseline="0" noProof="0" dirty="0" smtClean="0"/>
+            <a:rPr lang="pt-BR" sz="2100" baseline="0" noProof="0" dirty="0"/>
             <a:t> naturais e orgânicos</a:t>
           </a:r>
           <a:endParaRPr lang="pt-BR" sz="2100" noProof="0" dirty="0"/>
@@ -1901,51 +1901,6 @@
         </a:p>
       </dgm:t>
     </dgm:pt>
-    <dgm:pt modelId="{6C7ABDD8-2116-4572-BFF1-942DE135219B}">
-      <dgm:prSet custT="1"/>
-      <dgm:spPr/>
-      <dgm:t>
-        <a:bodyPr rtlCol="0"/>
-        <a:lstStyle/>
-        <a:p>
-          <a:pPr rtl="0">
-            <a:lnSpc>
-              <a:spcPct val="100000"/>
-            </a:lnSpc>
-            <a:defRPr cap="all"/>
-          </a:pPr>
-          <a:r>
-            <a:rPr lang="pt-BR" sz="2100" noProof="0" dirty="0" smtClean="0"/>
-            <a:t>Cosméticos artesanais</a:t>
-          </a:r>
-          <a:endParaRPr lang="pt-BR" sz="2100" noProof="0" dirty="0"/>
-        </a:p>
-      </dgm:t>
-    </dgm:pt>
-    <dgm:pt modelId="{616469A4-BE2A-4C29-8A52-AB6BAF651012}" type="parTrans" cxnId="{0675954C-3CB5-402E-8880-DDA68CDDB758}">
-      <dgm:prSet/>
-      <dgm:spPr/>
-      <dgm:t>
-        <a:bodyPr rtlCol="0"/>
-        <a:lstStyle/>
-        <a:p>
-          <a:pPr rtl="0"/>
-          <a:endParaRPr lang="pt-BR" sz="2100" noProof="0" dirty="0"/>
-        </a:p>
-      </dgm:t>
-    </dgm:pt>
-    <dgm:pt modelId="{59BC6248-0FAC-49D0-8357-FB965100BBEE}" type="sibTrans" cxnId="{0675954C-3CB5-402E-8880-DDA68CDDB758}">
-      <dgm:prSet/>
-      <dgm:spPr/>
-      <dgm:t>
-        <a:bodyPr rtlCol="0"/>
-        <a:lstStyle/>
-        <a:p>
-          <a:pPr rtl="0"/>
-          <a:endParaRPr lang="pt-BR" sz="2100" noProof="0" dirty="0"/>
-        </a:p>
-      </dgm:t>
-    </dgm:pt>
     <dgm:pt modelId="{44509D9E-58EE-4039-82A1-2A79116ACC93}">
       <dgm:prSet custT="1"/>
       <dgm:spPr/>
@@ -1953,17 +1908,16 @@
         <a:bodyPr rtlCol="0"/>
         <a:lstStyle/>
         <a:p>
-          <a:pPr rtl="0">
+          <a:pPr>
             <a:lnSpc>
               <a:spcPct val="100000"/>
             </a:lnSpc>
             <a:defRPr cap="all"/>
           </a:pPr>
           <a:r>
-            <a:rPr lang="pt-BR" sz="2100" noProof="0" dirty="0" smtClean="0"/>
+            <a:rPr lang="pt-BR" sz="2100" noProof="0" dirty="0"/>
             <a:t>Cuidados pessoais e bem-estar</a:t>
           </a:r>
-          <a:endParaRPr lang="pt-BR" sz="2100" noProof="0" dirty="0"/>
         </a:p>
       </dgm:t>
     </dgm:pt>
@@ -1999,20 +1953,13 @@
         </dgm:presLayoutVars>
       </dgm:prSet>
       <dgm:spPr/>
-      <dgm:t>
-        <a:bodyPr/>
-        <a:lstStyle/>
-        <a:p>
-          <a:endParaRPr lang="pt-BR"/>
-        </a:p>
-      </dgm:t>
     </dgm:pt>
     <dgm:pt modelId="{72FEF2F4-EAF0-47F3-9F76-69B5E1B4A2E7}" type="pres">
       <dgm:prSet presAssocID="{BEC2E38C-B9EA-4AC4-87C3-18C259F9401A}" presName="compNode" presStyleCnt="0"/>
       <dgm:spPr/>
     </dgm:pt>
     <dgm:pt modelId="{3CAA7A92-187F-49C2-B105-FF9B894315DB}" type="pres">
-      <dgm:prSet presAssocID="{BEC2E38C-B9EA-4AC4-87C3-18C259F9401A}" presName="iconBgRect" presStyleLbl="bgShp" presStyleIdx="0" presStyleCnt="3"/>
+      <dgm:prSet presAssocID="{BEC2E38C-B9EA-4AC4-87C3-18C259F9401A}" presName="iconBgRect" presStyleLbl="bgShp" presStyleIdx="0" presStyleCnt="2"/>
       <dgm:spPr>
         <a:prstGeom prst="ellipse">
           <a:avLst/>
@@ -2020,7 +1967,7 @@
       </dgm:spPr>
     </dgm:pt>
     <dgm:pt modelId="{51AD5D71-EFD2-4F69-975F-3C416F413E35}" type="pres">
-      <dgm:prSet presAssocID="{BEC2E38C-B9EA-4AC4-87C3-18C259F9401A}" presName="iconRect" presStyleLbl="node1" presStyleIdx="0" presStyleCnt="3"/>
+      <dgm:prSet presAssocID="{BEC2E38C-B9EA-4AC4-87C3-18C259F9401A}" presName="iconRect" presStyleLbl="node1" presStyleIdx="0" presStyleCnt="2"/>
       <dgm:spPr>
         <a:blipFill>
           <a:blip xmlns:r="http://schemas.openxmlformats.org/officeDocument/2006/relationships" r:embed="rId1">
@@ -2039,53 +1986,38 @@
           <a:noFill/>
         </a:ln>
       </dgm:spPr>
-      <dgm:t>
-        <a:bodyPr/>
-        <a:lstStyle/>
-        <a:p>
-          <a:endParaRPr lang="pt-BR"/>
-        </a:p>
-      </dgm:t>
-      <dgm:extLst/>
     </dgm:pt>
     <dgm:pt modelId="{99CB529E-B6CC-41A7-BBD1-E88FBFFEAA07}" type="pres">
       <dgm:prSet presAssocID="{BEC2E38C-B9EA-4AC4-87C3-18C259F9401A}" presName="spaceRect" presStyleCnt="0"/>
       <dgm:spPr/>
     </dgm:pt>
     <dgm:pt modelId="{769D8DA1-45EB-48B7-8C33-BC9FFCD40B68}" type="pres">
-      <dgm:prSet presAssocID="{BEC2E38C-B9EA-4AC4-87C3-18C259F9401A}" presName="textRect" presStyleLbl="revTx" presStyleIdx="0" presStyleCnt="3">
+      <dgm:prSet presAssocID="{BEC2E38C-B9EA-4AC4-87C3-18C259F9401A}" presName="textRect" presStyleLbl="revTx" presStyleIdx="0" presStyleCnt="2">
         <dgm:presLayoutVars>
           <dgm:chMax val="1"/>
           <dgm:chPref val="1"/>
         </dgm:presLayoutVars>
       </dgm:prSet>
       <dgm:spPr/>
-      <dgm:t>
-        <a:bodyPr/>
-        <a:lstStyle/>
-        <a:p>
-          <a:endParaRPr lang="pt-BR"/>
-        </a:p>
-      </dgm:t>
     </dgm:pt>
     <dgm:pt modelId="{FCFDF211-8106-4510-B21D-DAEF60D0F199}" type="pres">
       <dgm:prSet presAssocID="{257D8D46-D708-441A-9A94-08C16FB98397}" presName="sibTrans" presStyleCnt="0"/>
       <dgm:spPr/>
     </dgm:pt>
-    <dgm:pt modelId="{052209BC-1A1A-4B33-BBB6-EEF9899920FC}" type="pres">
-      <dgm:prSet presAssocID="{6C7ABDD8-2116-4572-BFF1-942DE135219B}" presName="compNode" presStyleCnt="0"/>
+    <dgm:pt modelId="{41D545CC-BF45-4EC4-8735-22E0D25BD414}" type="pres">
+      <dgm:prSet presAssocID="{44509D9E-58EE-4039-82A1-2A79116ACC93}" presName="compNode" presStyleCnt="0"/>
       <dgm:spPr/>
     </dgm:pt>
-    <dgm:pt modelId="{B6C5F440-C8F6-4028-ADFF-45EC8C387D65}" type="pres">
-      <dgm:prSet presAssocID="{6C7ABDD8-2116-4572-BFF1-942DE135219B}" presName="iconBgRect" presStyleLbl="bgShp" presStyleIdx="1" presStyleCnt="3"/>
+    <dgm:pt modelId="{AE4B8D37-1516-4369-9BEB-385DF52AAF7F}" type="pres">
+      <dgm:prSet presAssocID="{44509D9E-58EE-4039-82A1-2A79116ACC93}" presName="iconBgRect" presStyleLbl="bgShp" presStyleIdx="1" presStyleCnt="2"/>
       <dgm:spPr>
         <a:prstGeom prst="ellipse">
           <a:avLst/>
         </a:prstGeom>
       </dgm:spPr>
     </dgm:pt>
-    <dgm:pt modelId="{E871DBE9-A946-4792-BE31-E6EB520345D0}" type="pres">
-      <dgm:prSet presAssocID="{6C7ABDD8-2116-4572-BFF1-942DE135219B}" presName="iconRect" presStyleLbl="node1" presStyleIdx="1" presStyleCnt="3"/>
+    <dgm:pt modelId="{B7C89332-6116-4524-B7AF-24F9EDAE32AD}" type="pres">
+      <dgm:prSet presAssocID="{44509D9E-58EE-4039-82A1-2A79116ACC93}" presName="iconRect" presStyleLbl="node1" presStyleIdx="1" presStyleCnt="2"/>
       <dgm:spPr>
         <a:blipFill>
           <a:blip xmlns:r="http://schemas.openxmlformats.org/officeDocument/2006/relationships" r:embed="rId2">
@@ -2104,122 +2036,34 @@
           <a:noFill/>
         </a:ln>
       </dgm:spPr>
-      <dgm:t>
-        <a:bodyPr/>
-        <a:lstStyle/>
-        <a:p>
-          <a:endParaRPr lang="pt-BR"/>
-        </a:p>
-      </dgm:t>
-      <dgm:extLst/>
     </dgm:pt>
-    <dgm:pt modelId="{6C1A4751-0E5F-4647-BD09-44046A153420}" type="pres">
-      <dgm:prSet presAssocID="{6C7ABDD8-2116-4572-BFF1-942DE135219B}" presName="spaceRect" presStyleCnt="0"/>
+    <dgm:pt modelId="{CA9D93FD-EE73-49C0-B312-7F3B032793B7}" type="pres">
+      <dgm:prSet presAssocID="{44509D9E-58EE-4039-82A1-2A79116ACC93}" presName="spaceRect" presStyleCnt="0"/>
       <dgm:spPr/>
     </dgm:pt>
-    <dgm:pt modelId="{1388DC24-2362-45B8-A165-B28E94DD9AEB}" type="pres">
-      <dgm:prSet presAssocID="{6C7ABDD8-2116-4572-BFF1-942DE135219B}" presName="textRect" presStyleLbl="revTx" presStyleIdx="1" presStyleCnt="3">
+    <dgm:pt modelId="{0708B3AD-AF91-44E3-A525-C5DF0FE6D5F0}" type="pres">
+      <dgm:prSet presAssocID="{44509D9E-58EE-4039-82A1-2A79116ACC93}" presName="textRect" presStyleLbl="revTx" presStyleIdx="1" presStyleCnt="2">
         <dgm:presLayoutVars>
           <dgm:chMax val="1"/>
           <dgm:chPref val="1"/>
         </dgm:presLayoutVars>
       </dgm:prSet>
       <dgm:spPr/>
-      <dgm:t>
-        <a:bodyPr/>
-        <a:lstStyle/>
-        <a:p>
-          <a:endParaRPr lang="pt-BR"/>
-        </a:p>
-      </dgm:t>
-    </dgm:pt>
-    <dgm:pt modelId="{03EC8F60-FE4E-494B-9C4C-89AFB90A4918}" type="pres">
-      <dgm:prSet presAssocID="{59BC6248-0FAC-49D0-8357-FB965100BBEE}" presName="sibTrans" presStyleCnt="0"/>
-      <dgm:spPr/>
-    </dgm:pt>
-    <dgm:pt modelId="{41D545CC-BF45-4EC4-8735-22E0D25BD414}" type="pres">
-      <dgm:prSet presAssocID="{44509D9E-58EE-4039-82A1-2A79116ACC93}" presName="compNode" presStyleCnt="0"/>
-      <dgm:spPr/>
-    </dgm:pt>
-    <dgm:pt modelId="{AE4B8D37-1516-4369-9BEB-385DF52AAF7F}" type="pres">
-      <dgm:prSet presAssocID="{44509D9E-58EE-4039-82A1-2A79116ACC93}" presName="iconBgRect" presStyleLbl="bgShp" presStyleIdx="2" presStyleCnt="3"/>
-      <dgm:spPr>
-        <a:prstGeom prst="ellipse">
-          <a:avLst/>
-        </a:prstGeom>
-      </dgm:spPr>
-    </dgm:pt>
-    <dgm:pt modelId="{B7C89332-6116-4524-B7AF-24F9EDAE32AD}" type="pres">
-      <dgm:prSet presAssocID="{44509D9E-58EE-4039-82A1-2A79116ACC93}" presName="iconRect" presStyleLbl="node1" presStyleIdx="2" presStyleCnt="3"/>
-      <dgm:spPr>
-        <a:blipFill>
-          <a:blip xmlns:r="http://schemas.openxmlformats.org/officeDocument/2006/relationships" r:embed="rId3">
-            <a:extLst>
-              <a:ext uri="{28A0092B-C50C-407E-A947-70E740481C1C}">
-                <a14:useLocalDpi xmlns:a14="http://schemas.microsoft.com/office/drawing/2010/main" val="0"/>
-              </a:ext>
-            </a:extLst>
-          </a:blip>
-          <a:srcRect/>
-          <a:stretch>
-            <a:fillRect/>
-          </a:stretch>
-        </a:blipFill>
-        <a:ln>
-          <a:noFill/>
-        </a:ln>
-      </dgm:spPr>
-      <dgm:t>
-        <a:bodyPr/>
-        <a:lstStyle/>
-        <a:p>
-          <a:endParaRPr lang="pt-BR"/>
-        </a:p>
-      </dgm:t>
-      <dgm:extLst/>
-    </dgm:pt>
-    <dgm:pt modelId="{CA9D93FD-EE73-49C0-B312-7F3B032793B7}" type="pres">
-      <dgm:prSet presAssocID="{44509D9E-58EE-4039-82A1-2A79116ACC93}" presName="spaceRect" presStyleCnt="0"/>
-      <dgm:spPr/>
-    </dgm:pt>
-    <dgm:pt modelId="{0708B3AD-AF91-44E3-A525-C5DF0FE6D5F0}" type="pres">
-      <dgm:prSet presAssocID="{44509D9E-58EE-4039-82A1-2A79116ACC93}" presName="textRect" presStyleLbl="revTx" presStyleIdx="2" presStyleCnt="3">
-        <dgm:presLayoutVars>
-          <dgm:chMax val="1"/>
-          <dgm:chPref val="1"/>
-        </dgm:presLayoutVars>
-      </dgm:prSet>
-      <dgm:spPr/>
-      <dgm:t>
-        <a:bodyPr/>
-        <a:lstStyle/>
-        <a:p>
-          <a:endParaRPr lang="pt-BR"/>
-        </a:p>
-      </dgm:t>
     </dgm:pt>
   </dgm:ptLst>
   <dgm:cxnLst>
-    <dgm:cxn modelId="{E0D91B55-A7CF-4FF4-B08D-DBE20AF8C2FE}" srcId="{1AF866C9-4A03-4AD4-8E51-2BAE1EB6D173}" destId="{44509D9E-58EE-4039-82A1-2A79116ACC93}" srcOrd="2" destOrd="0" parTransId="{5C426BE0-998E-4D28-8838-1C847BD83830}" sibTransId="{35B7AB1F-21FF-4FAC-BC26-4D944FC0050D}"/>
-    <dgm:cxn modelId="{052583A7-2288-44F9-A550-F8D4577C14E4}" type="presOf" srcId="{6C7ABDD8-2116-4572-BFF1-942DE135219B}" destId="{1388DC24-2362-45B8-A165-B28E94DD9AEB}" srcOrd="0" destOrd="0" presId="urn:microsoft.com/office/officeart/2018/5/layout/IconLeafLabelList"/>
+    <dgm:cxn modelId="{565E0D1A-4877-402F-BCFE-01CF000DFA38}" type="presOf" srcId="{BEC2E38C-B9EA-4AC4-87C3-18C259F9401A}" destId="{769D8DA1-45EB-48B7-8C33-BC9FFCD40B68}" srcOrd="0" destOrd="0" presId="urn:microsoft.com/office/officeart/2018/5/layout/IconLeafLabelList"/>
+    <dgm:cxn modelId="{55661022-97AD-432F-9176-89B96A42D9D7}" type="presOf" srcId="{44509D9E-58EE-4039-82A1-2A79116ACC93}" destId="{0708B3AD-AF91-44E3-A525-C5DF0FE6D5F0}" srcOrd="0" destOrd="0" presId="urn:microsoft.com/office/officeart/2018/5/layout/IconLeafLabelList"/>
     <dgm:cxn modelId="{34B04A36-AFEA-4CD1-A11B-8FBE8A73338B}" srcId="{1AF866C9-4A03-4AD4-8E51-2BAE1EB6D173}" destId="{BEC2E38C-B9EA-4AC4-87C3-18C259F9401A}" srcOrd="0" destOrd="0" parTransId="{56633E21-2D4F-4D35-A163-AA05ACDE458F}" sibTransId="{257D8D46-D708-441A-9A94-08C16FB98397}"/>
-    <dgm:cxn modelId="{0675954C-3CB5-402E-8880-DDA68CDDB758}" srcId="{1AF866C9-4A03-4AD4-8E51-2BAE1EB6D173}" destId="{6C7ABDD8-2116-4572-BFF1-942DE135219B}" srcOrd="1" destOrd="0" parTransId="{616469A4-BE2A-4C29-8A52-AB6BAF651012}" sibTransId="{59BC6248-0FAC-49D0-8357-FB965100BBEE}"/>
-    <dgm:cxn modelId="{55661022-97AD-432F-9176-89B96A42D9D7}" type="presOf" srcId="{44509D9E-58EE-4039-82A1-2A79116ACC93}" destId="{0708B3AD-AF91-44E3-A525-C5DF0FE6D5F0}" srcOrd="0" destOrd="0" presId="urn:microsoft.com/office/officeart/2018/5/layout/IconLeafLabelList"/>
-    <dgm:cxn modelId="{565E0D1A-4877-402F-BCFE-01CF000DFA38}" type="presOf" srcId="{BEC2E38C-B9EA-4AC4-87C3-18C259F9401A}" destId="{769D8DA1-45EB-48B7-8C33-BC9FFCD40B68}" srcOrd="0" destOrd="0" presId="urn:microsoft.com/office/officeart/2018/5/layout/IconLeafLabelList"/>
     <dgm:cxn modelId="{BF395453-60D5-4621-A381-4B9BCE586CF3}" type="presOf" srcId="{1AF866C9-4A03-4AD4-8E51-2BAE1EB6D173}" destId="{C03091DD-BA19-4EE8-9F08-AD7EFF716E73}" srcOrd="0" destOrd="0" presId="urn:microsoft.com/office/officeart/2018/5/layout/IconLeafLabelList"/>
+    <dgm:cxn modelId="{E0D91B55-A7CF-4FF4-B08D-DBE20AF8C2FE}" srcId="{1AF866C9-4A03-4AD4-8E51-2BAE1EB6D173}" destId="{44509D9E-58EE-4039-82A1-2A79116ACC93}" srcOrd="1" destOrd="0" parTransId="{5C426BE0-998E-4D28-8838-1C847BD83830}" sibTransId="{35B7AB1F-21FF-4FAC-BC26-4D944FC0050D}"/>
     <dgm:cxn modelId="{E292215D-F2B7-4BA5-89B3-06B96020B337}" type="presParOf" srcId="{C03091DD-BA19-4EE8-9F08-AD7EFF716E73}" destId="{72FEF2F4-EAF0-47F3-9F76-69B5E1B4A2E7}" srcOrd="0" destOrd="0" presId="urn:microsoft.com/office/officeart/2018/5/layout/IconLeafLabelList"/>
     <dgm:cxn modelId="{3E4FD147-9D20-480E-8950-8D9B4561D28E}" type="presParOf" srcId="{72FEF2F4-EAF0-47F3-9F76-69B5E1B4A2E7}" destId="{3CAA7A92-187F-49C2-B105-FF9B894315DB}" srcOrd="0" destOrd="0" presId="urn:microsoft.com/office/officeart/2018/5/layout/IconLeafLabelList"/>
     <dgm:cxn modelId="{086E1E5B-964C-4F4C-971B-6C2530942936}" type="presParOf" srcId="{72FEF2F4-EAF0-47F3-9F76-69B5E1B4A2E7}" destId="{51AD5D71-EFD2-4F69-975F-3C416F413E35}" srcOrd="1" destOrd="0" presId="urn:microsoft.com/office/officeart/2018/5/layout/IconLeafLabelList"/>
     <dgm:cxn modelId="{557B9B5D-9C84-4820-BE4F-7C8AC8E908A5}" type="presParOf" srcId="{72FEF2F4-EAF0-47F3-9F76-69B5E1B4A2E7}" destId="{99CB529E-B6CC-41A7-BBD1-E88FBFFEAA07}" srcOrd="2" destOrd="0" presId="urn:microsoft.com/office/officeart/2018/5/layout/IconLeafLabelList"/>
     <dgm:cxn modelId="{C64E993C-F037-4A86-9377-EC77AD617FA7}" type="presParOf" srcId="{72FEF2F4-EAF0-47F3-9F76-69B5E1B4A2E7}" destId="{769D8DA1-45EB-48B7-8C33-BC9FFCD40B68}" srcOrd="3" destOrd="0" presId="urn:microsoft.com/office/officeart/2018/5/layout/IconLeafLabelList"/>
     <dgm:cxn modelId="{82AF9968-5993-48BD-AADB-096CF2E81B7B}" type="presParOf" srcId="{C03091DD-BA19-4EE8-9F08-AD7EFF716E73}" destId="{FCFDF211-8106-4510-B21D-DAEF60D0F199}" srcOrd="1" destOrd="0" presId="urn:microsoft.com/office/officeart/2018/5/layout/IconLeafLabelList"/>
-    <dgm:cxn modelId="{2C3D97E2-2845-48F4-A9AF-0F57CBA88622}" type="presParOf" srcId="{C03091DD-BA19-4EE8-9F08-AD7EFF716E73}" destId="{052209BC-1A1A-4B33-BBB6-EEF9899920FC}" srcOrd="2" destOrd="0" presId="urn:microsoft.com/office/officeart/2018/5/layout/IconLeafLabelList"/>
-    <dgm:cxn modelId="{C9904B3F-3D5B-408F-A508-E76B04DDDFF2}" type="presParOf" srcId="{052209BC-1A1A-4B33-BBB6-EEF9899920FC}" destId="{B6C5F440-C8F6-4028-ADFF-45EC8C387D65}" srcOrd="0" destOrd="0" presId="urn:microsoft.com/office/officeart/2018/5/layout/IconLeafLabelList"/>
-    <dgm:cxn modelId="{F735BC0D-09D6-4C67-BA72-B47F80BC8106}" type="presParOf" srcId="{052209BC-1A1A-4B33-BBB6-EEF9899920FC}" destId="{E871DBE9-A946-4792-BE31-E6EB520345D0}" srcOrd="1" destOrd="0" presId="urn:microsoft.com/office/officeart/2018/5/layout/IconLeafLabelList"/>
-    <dgm:cxn modelId="{EF1D2E4B-CA60-413C-BDE1-DF98F30DB02B}" type="presParOf" srcId="{052209BC-1A1A-4B33-BBB6-EEF9899920FC}" destId="{6C1A4751-0E5F-4647-BD09-44046A153420}" srcOrd="2" destOrd="0" presId="urn:microsoft.com/office/officeart/2018/5/layout/IconLeafLabelList"/>
-    <dgm:cxn modelId="{B6E16C40-36F8-4A74-A44D-6B2B04DA8206}" type="presParOf" srcId="{052209BC-1A1A-4B33-BBB6-EEF9899920FC}" destId="{1388DC24-2362-45B8-A165-B28E94DD9AEB}" srcOrd="3" destOrd="0" presId="urn:microsoft.com/office/officeart/2018/5/layout/IconLeafLabelList"/>
-    <dgm:cxn modelId="{A2B71A07-9EE7-4DB7-A63A-CFE6621D984F}" type="presParOf" srcId="{C03091DD-BA19-4EE8-9F08-AD7EFF716E73}" destId="{03EC8F60-FE4E-494B-9C4C-89AFB90A4918}" srcOrd="3" destOrd="0" presId="urn:microsoft.com/office/officeart/2018/5/layout/IconLeafLabelList"/>
-    <dgm:cxn modelId="{B57D0AE0-7831-4380-95F5-FA0DA411C07F}" type="presParOf" srcId="{C03091DD-BA19-4EE8-9F08-AD7EFF716E73}" destId="{41D545CC-BF45-4EC4-8735-22E0D25BD414}" srcOrd="4" destOrd="0" presId="urn:microsoft.com/office/officeart/2018/5/layout/IconLeafLabelList"/>
+    <dgm:cxn modelId="{B57D0AE0-7831-4380-95F5-FA0DA411C07F}" type="presParOf" srcId="{C03091DD-BA19-4EE8-9F08-AD7EFF716E73}" destId="{41D545CC-BF45-4EC4-8735-22E0D25BD414}" srcOrd="2" destOrd="0" presId="urn:microsoft.com/office/officeart/2018/5/layout/IconLeafLabelList"/>
     <dgm:cxn modelId="{C2D13555-828A-449B-AC2D-7A1FE76368DE}" type="presParOf" srcId="{41D545CC-BF45-4EC4-8735-22E0D25BD414}" destId="{AE4B8D37-1516-4369-9BEB-385DF52AAF7F}" srcOrd="0" destOrd="0" presId="urn:microsoft.com/office/officeart/2018/5/layout/IconLeafLabelList"/>
     <dgm:cxn modelId="{DA6EC3FC-6FC8-4CD9-99D8-2F47E0293ADB}" type="presParOf" srcId="{41D545CC-BF45-4EC4-8735-22E0D25BD414}" destId="{B7C89332-6116-4524-B7AF-24F9EDAE32AD}" srcOrd="1" destOrd="0" presId="urn:microsoft.com/office/officeart/2018/5/layout/IconLeafLabelList"/>
     <dgm:cxn modelId="{C9E47593-4DB7-477A-826C-321BBBAB5433}" type="presParOf" srcId="{41D545CC-BF45-4EC4-8735-22E0D25BD414}" destId="{CA9D93FD-EE73-49C0-B312-7F3B032793B7}" srcOrd="2" destOrd="0" presId="urn:microsoft.com/office/officeart/2018/5/layout/IconLeafLabelList"/>
@@ -2259,10 +2103,9 @@
         <a:p>
           <a:pPr rtl="0"/>
           <a:r>
-            <a:rPr lang="pt-BR" noProof="0" dirty="0" smtClean="0"/>
+            <a:rPr lang="pt-BR" noProof="0" dirty="0"/>
             <a:t>Análise de concorrência</a:t>
           </a:r>
-          <a:endParaRPr lang="pt-BR" noProof="0" dirty="0"/>
         </a:p>
       </dgm:t>
     </dgm:pt>
@@ -2299,10 +2142,9 @@
         <a:p>
           <a:pPr rtl="0"/>
           <a:r>
-            <a:rPr lang="pt-BR" noProof="0" dirty="0" smtClean="0"/>
+            <a:rPr lang="pt-BR" noProof="0" dirty="0"/>
             <a:t>Testes de produto</a:t>
           </a:r>
-          <a:endParaRPr lang="pt-BR" noProof="0" dirty="0"/>
         </a:p>
       </dgm:t>
     </dgm:pt>
@@ -2339,11 +2181,11 @@
         <a:p>
           <a:pPr rtl="0"/>
           <a:r>
-            <a:rPr lang="pt-BR" noProof="0" dirty="0" smtClean="0"/>
+            <a:rPr lang="pt-BR" noProof="0" dirty="0"/>
             <a:t>Pesquisas online e </a:t>
           </a:r>
           <a:r>
-            <a:rPr lang="pt-BR" noProof="0" dirty="0" err="1" smtClean="0"/>
+            <a:rPr lang="pt-BR" noProof="0" dirty="0" err="1"/>
             <a:t>offline</a:t>
           </a:r>
           <a:endParaRPr lang="pt-BR" noProof="0" dirty="0"/>
@@ -2382,13 +2224,6 @@
         </dgm:presLayoutVars>
       </dgm:prSet>
       <dgm:spPr/>
-      <dgm:t>
-        <a:bodyPr/>
-        <a:lstStyle/>
-        <a:p>
-          <a:endParaRPr lang="pt-BR"/>
-        </a:p>
-      </dgm:t>
     </dgm:pt>
     <dgm:pt modelId="{71D4558D-159A-47DE-A94F-521C32D12BF0}" type="pres">
       <dgm:prSet presAssocID="{AF48E813-4459-4B63-9360-D2CA978144F6}" presName="arrow" presStyleLbl="node1" presStyleIdx="0" presStyleCnt="3">
@@ -2397,13 +2232,6 @@
         </dgm:presLayoutVars>
       </dgm:prSet>
       <dgm:spPr/>
-      <dgm:t>
-        <a:bodyPr/>
-        <a:lstStyle/>
-        <a:p>
-          <a:endParaRPr lang="pt-BR"/>
-        </a:p>
-      </dgm:t>
     </dgm:pt>
     <dgm:pt modelId="{3DCA436E-A06E-419C-933D-824314FA18DD}" type="pres">
       <dgm:prSet presAssocID="{5967A42A-992F-4FDA-A7BF-040A6ACCB03C}" presName="arrow" presStyleLbl="node1" presStyleIdx="1" presStyleCnt="3">
@@ -2412,13 +2240,6 @@
         </dgm:presLayoutVars>
       </dgm:prSet>
       <dgm:spPr/>
-      <dgm:t>
-        <a:bodyPr/>
-        <a:lstStyle/>
-        <a:p>
-          <a:endParaRPr lang="pt-BR"/>
-        </a:p>
-      </dgm:t>
     </dgm:pt>
     <dgm:pt modelId="{AB6E8487-3FDE-4982-AEDD-44690A8ABD93}" type="pres">
       <dgm:prSet presAssocID="{B13EC5CF-C62E-4A1A-AFF1-DA503C372747}" presName="arrow" presStyleLbl="node1" presStyleIdx="2" presStyleCnt="3">
@@ -2427,23 +2248,16 @@
         </dgm:presLayoutVars>
       </dgm:prSet>
       <dgm:spPr/>
-      <dgm:t>
-        <a:bodyPr/>
-        <a:lstStyle/>
-        <a:p>
-          <a:endParaRPr lang="pt-BR"/>
-        </a:p>
-      </dgm:t>
     </dgm:pt>
   </dgm:ptLst>
   <dgm:cxnLst>
+    <dgm:cxn modelId="{9523870F-D5F6-4EE4-9D0E-98036F772042}" srcId="{4F62F2DA-D7F2-4FF6-84BA-5F139A7912D1}" destId="{AF48E813-4459-4B63-9360-D2CA978144F6}" srcOrd="0" destOrd="0" parTransId="{DB703676-2A02-40C0-8D19-B1740BA13EAF}" sibTransId="{AD34E5BA-C68C-46C7-94AE-AB69E454AEC4}"/>
+    <dgm:cxn modelId="{D8E51D10-1C86-4C49-B582-0876726AF5A4}" srcId="{4F62F2DA-D7F2-4FF6-84BA-5F139A7912D1}" destId="{5967A42A-992F-4FDA-A7BF-040A6ACCB03C}" srcOrd="1" destOrd="0" parTransId="{A03DAD7C-77BC-4D6F-8EC5-F2C93B21D176}" sibTransId="{42ABD298-0EE6-4B76-B809-8A6DA6D143D8}"/>
+    <dgm:cxn modelId="{7F613E3E-5A35-4EDF-996D-1C1A7AC2C68A}" type="presOf" srcId="{5967A42A-992F-4FDA-A7BF-040A6ACCB03C}" destId="{3DCA436E-A06E-419C-933D-824314FA18DD}" srcOrd="0" destOrd="0" presId="urn:microsoft.com/office/officeart/2005/8/layout/arrow5"/>
+    <dgm:cxn modelId="{BCA54C76-07AE-4A1B-B8AF-A549CC926EAF}" srcId="{4F62F2DA-D7F2-4FF6-84BA-5F139A7912D1}" destId="{B13EC5CF-C62E-4A1A-AFF1-DA503C372747}" srcOrd="2" destOrd="0" parTransId="{250B1E8C-3A8B-4C05-B652-E4188FE4F78F}" sibTransId="{FB68FE19-9F2E-486B-80A5-07A8B5F267F1}"/>
+    <dgm:cxn modelId="{862DBB77-D019-46F4-92CD-72B6659CDD64}" type="presOf" srcId="{B13EC5CF-C62E-4A1A-AFF1-DA503C372747}" destId="{AB6E8487-3FDE-4982-AEDD-44690A8ABD93}" srcOrd="0" destOrd="0" presId="urn:microsoft.com/office/officeart/2005/8/layout/arrow5"/>
     <dgm:cxn modelId="{7201D1FA-236E-4724-972E-C134020FB8E1}" type="presOf" srcId="{AF48E813-4459-4B63-9360-D2CA978144F6}" destId="{71D4558D-159A-47DE-A94F-521C32D12BF0}" srcOrd="0" destOrd="0" presId="urn:microsoft.com/office/officeart/2005/8/layout/arrow5"/>
-    <dgm:cxn modelId="{862DBB77-D019-46F4-92CD-72B6659CDD64}" type="presOf" srcId="{B13EC5CF-C62E-4A1A-AFF1-DA503C372747}" destId="{AB6E8487-3FDE-4982-AEDD-44690A8ABD93}" srcOrd="0" destOrd="0" presId="urn:microsoft.com/office/officeart/2005/8/layout/arrow5"/>
-    <dgm:cxn modelId="{9523870F-D5F6-4EE4-9D0E-98036F772042}" srcId="{4F62F2DA-D7F2-4FF6-84BA-5F139A7912D1}" destId="{AF48E813-4459-4B63-9360-D2CA978144F6}" srcOrd="0" destOrd="0" parTransId="{DB703676-2A02-40C0-8D19-B1740BA13EAF}" sibTransId="{AD34E5BA-C68C-46C7-94AE-AB69E454AEC4}"/>
-    <dgm:cxn modelId="{7F613E3E-5A35-4EDF-996D-1C1A7AC2C68A}" type="presOf" srcId="{5967A42A-992F-4FDA-A7BF-040A6ACCB03C}" destId="{3DCA436E-A06E-419C-933D-824314FA18DD}" srcOrd="0" destOrd="0" presId="urn:microsoft.com/office/officeart/2005/8/layout/arrow5"/>
     <dgm:cxn modelId="{2FC052FD-A34D-4639-AB98-1D7EE16352F4}" type="presOf" srcId="{4F62F2DA-D7F2-4FF6-84BA-5F139A7912D1}" destId="{9DE0F8F4-36B0-4743-B908-0EE3F43352CB}" srcOrd="0" destOrd="0" presId="urn:microsoft.com/office/officeart/2005/8/layout/arrow5"/>
-    <dgm:cxn modelId="{D8E51D10-1C86-4C49-B582-0876726AF5A4}" srcId="{4F62F2DA-D7F2-4FF6-84BA-5F139A7912D1}" destId="{5967A42A-992F-4FDA-A7BF-040A6ACCB03C}" srcOrd="1" destOrd="0" parTransId="{A03DAD7C-77BC-4D6F-8EC5-F2C93B21D176}" sibTransId="{42ABD298-0EE6-4B76-B809-8A6DA6D143D8}"/>
-    <dgm:cxn modelId="{BCA54C76-07AE-4A1B-B8AF-A549CC926EAF}" srcId="{4F62F2DA-D7F2-4FF6-84BA-5F139A7912D1}" destId="{B13EC5CF-C62E-4A1A-AFF1-DA503C372747}" srcOrd="2" destOrd="0" parTransId="{250B1E8C-3A8B-4C05-B652-E4188FE4F78F}" sibTransId="{FB68FE19-9F2E-486B-80A5-07A8B5F267F1}"/>
     <dgm:cxn modelId="{AFEA0CF8-0099-426C-B295-95425605C3C4}" type="presParOf" srcId="{9DE0F8F4-36B0-4743-B908-0EE3F43352CB}" destId="{71D4558D-159A-47DE-A94F-521C32D12BF0}" srcOrd="0" destOrd="0" presId="urn:microsoft.com/office/officeart/2005/8/layout/arrow5"/>
     <dgm:cxn modelId="{CB023674-277B-4707-AEE0-9C35DCF4AF85}" type="presParOf" srcId="{9DE0F8F4-36B0-4743-B908-0EE3F43352CB}" destId="{3DCA436E-A06E-419C-933D-824314FA18DD}" srcOrd="1" destOrd="0" presId="urn:microsoft.com/office/officeart/2005/8/layout/arrow5"/>
     <dgm:cxn modelId="{77E46F2C-D4FD-4280-8844-BA9B90A7AA89}" type="presParOf" srcId="{9DE0F8F4-36B0-4743-B908-0EE3F43352CB}" destId="{AB6E8487-3FDE-4982-AEDD-44690A8ABD93}" srcOrd="2" destOrd="0" presId="urn:microsoft.com/office/officeart/2005/8/layout/arrow5"/>
@@ -2473,8 +2287,8 @@
       </dsp:nvSpPr>
       <dsp:spPr>
         <a:xfrm>
-          <a:off x="614381" y="503862"/>
-          <a:ext cx="1749937" cy="1749937"/>
+          <a:off x="1647131" y="211362"/>
+          <a:ext cx="2196000" cy="2196000"/>
         </a:xfrm>
         <a:prstGeom prst="ellipse">
           <a:avLst/>
@@ -2512,8 +2326,8 @@
       </dsp:nvSpPr>
       <dsp:spPr>
         <a:xfrm>
-          <a:off x="987318" y="876800"/>
-          <a:ext cx="1004062" cy="1004062"/>
+          <a:off x="2115131" y="679362"/>
+          <a:ext cx="1260000" cy="1260000"/>
         </a:xfrm>
         <a:prstGeom prst="rect">
           <a:avLst/>
@@ -2559,8 +2373,8 @@
       </dsp:nvSpPr>
       <dsp:spPr>
         <a:xfrm>
-          <a:off x="54974" y="2798862"/>
-          <a:ext cx="2868750" cy="720000"/>
+          <a:off x="945131" y="3091362"/>
+          <a:ext cx="3600000" cy="720000"/>
         </a:xfrm>
         <a:prstGeom prst="rect">
           <a:avLst/>
@@ -2589,7 +2403,7 @@
         </a:bodyPr>
         <a:lstStyle/>
         <a:p>
-          <a:pPr lvl="0" algn="ctr" defTabSz="933450" rtl="0">
+          <a:pPr marL="0" lvl="0" indent="0" algn="ctr" defTabSz="933450">
             <a:lnSpc>
               <a:spcPct val="100000"/>
             </a:lnSpc>
@@ -2599,169 +2413,23 @@
             <a:spcAft>
               <a:spcPct val="35000"/>
             </a:spcAft>
+            <a:buNone/>
             <a:defRPr cap="all"/>
           </a:pPr>
           <a:r>
-            <a:rPr lang="pt-BR" sz="2100" kern="1200" noProof="0" dirty="0" smtClean="0"/>
+            <a:rPr lang="pt-BR" sz="2100" kern="1200" noProof="0" dirty="0"/>
             <a:t>Produtos</a:t>
           </a:r>
           <a:r>
-            <a:rPr lang="pt-BR" sz="2100" kern="1200" baseline="0" noProof="0" dirty="0" smtClean="0"/>
+            <a:rPr lang="pt-BR" sz="2100" kern="1200" baseline="0" noProof="0" dirty="0"/>
             <a:t> naturais e orgânicos</a:t>
           </a:r>
           <a:endParaRPr lang="pt-BR" sz="2100" kern="1200" noProof="0" dirty="0"/>
         </a:p>
       </dsp:txBody>
       <dsp:txXfrm>
-        <a:off x="54974" y="2798862"/>
-        <a:ext cx="2868750" cy="720000"/>
-      </dsp:txXfrm>
-    </dsp:sp>
-    <dsp:sp modelId="{B6C5F440-C8F6-4028-ADFF-45EC8C387D65}">
-      <dsp:nvSpPr>
-        <dsp:cNvPr id="0" name=""/>
-        <dsp:cNvSpPr/>
-      </dsp:nvSpPr>
-      <dsp:spPr>
-        <a:xfrm>
-          <a:off x="3985162" y="503862"/>
-          <a:ext cx="1749937" cy="1749937"/>
-        </a:xfrm>
-        <a:prstGeom prst="ellipse">
-          <a:avLst/>
-        </a:prstGeom>
-        <a:solidFill>
-          <a:schemeClr val="accent3">
-            <a:hueOff val="0"/>
-            <a:satOff val="0"/>
-            <a:lumOff val="0"/>
-            <a:alphaOff val="0"/>
-          </a:schemeClr>
-        </a:solidFill>
-        <a:ln>
-          <a:noFill/>
-        </a:ln>
-        <a:effectLst/>
-      </dsp:spPr>
-      <dsp:style>
-        <a:lnRef idx="0">
-          <a:scrgbClr r="0" g="0" b="0"/>
-        </a:lnRef>
-        <a:fillRef idx="1">
-          <a:scrgbClr r="0" g="0" b="0"/>
-        </a:fillRef>
-        <a:effectRef idx="0">
-          <a:scrgbClr r="0" g="0" b="0"/>
-        </a:effectRef>
-        <a:fontRef idx="minor"/>
-      </dsp:style>
-    </dsp:sp>
-    <dsp:sp modelId="{E871DBE9-A946-4792-BE31-E6EB520345D0}">
-      <dsp:nvSpPr>
-        <dsp:cNvPr id="0" name=""/>
-        <dsp:cNvSpPr/>
-      </dsp:nvSpPr>
-      <dsp:spPr>
-        <a:xfrm>
-          <a:off x="4358099" y="876800"/>
-          <a:ext cx="1004062" cy="1004062"/>
-        </a:xfrm>
-        <a:prstGeom prst="rect">
-          <a:avLst/>
-        </a:prstGeom>
-        <a:blipFill>
-          <a:blip xmlns:r="http://schemas.openxmlformats.org/officeDocument/2006/relationships" r:embed="rId2">
-            <a:extLst>
-              <a:ext uri="{28A0092B-C50C-407E-A947-70E740481C1C}">
-                <a14:useLocalDpi xmlns:a14="http://schemas.microsoft.com/office/drawing/2010/main" val="0"/>
-              </a:ext>
-            </a:extLst>
-          </a:blip>
-          <a:srcRect/>
-          <a:stretch>
-            <a:fillRect/>
-          </a:stretch>
-        </a:blipFill>
-        <a:ln w="15875" cap="flat" cmpd="sng" algn="ctr">
-          <a:noFill/>
-          <a:prstDash val="solid"/>
-        </a:ln>
-        <a:effectLst/>
-      </dsp:spPr>
-      <dsp:style>
-        <a:lnRef idx="2">
-          <a:scrgbClr r="0" g="0" b="0"/>
-        </a:lnRef>
-        <a:fillRef idx="1">
-          <a:scrgbClr r="0" g="0" b="0"/>
-        </a:fillRef>
-        <a:effectRef idx="0">
-          <a:scrgbClr r="0" g="0" b="0"/>
-        </a:effectRef>
-        <a:fontRef idx="minor">
-          <a:schemeClr val="lt1"/>
-        </a:fontRef>
-      </dsp:style>
-    </dsp:sp>
-    <dsp:sp modelId="{1388DC24-2362-45B8-A165-B28E94DD9AEB}">
-      <dsp:nvSpPr>
-        <dsp:cNvPr id="0" name=""/>
-        <dsp:cNvSpPr/>
-      </dsp:nvSpPr>
-      <dsp:spPr>
-        <a:xfrm>
-          <a:off x="3425756" y="2798862"/>
-          <a:ext cx="2868750" cy="720000"/>
-        </a:xfrm>
-        <a:prstGeom prst="rect">
-          <a:avLst/>
-        </a:prstGeom>
-        <a:noFill/>
-        <a:ln>
-          <a:noFill/>
-        </a:ln>
-        <a:effectLst/>
-      </dsp:spPr>
-      <dsp:style>
-        <a:lnRef idx="0">
-          <a:scrgbClr r="0" g="0" b="0"/>
-        </a:lnRef>
-        <a:fillRef idx="0">
-          <a:scrgbClr r="0" g="0" b="0"/>
-        </a:fillRef>
-        <a:effectRef idx="0">
-          <a:scrgbClr r="0" g="0" b="0"/>
-        </a:effectRef>
-        <a:fontRef idx="minor"/>
-      </dsp:style>
-      <dsp:txBody>
-        <a:bodyPr spcFirstLastPara="0" vert="horz" wrap="square" lIns="0" tIns="0" rIns="0" bIns="0" numCol="1" spcCol="1270" rtlCol="0" anchor="t" anchorCtr="0">
-          <a:noAutofit/>
-        </a:bodyPr>
-        <a:lstStyle/>
-        <a:p>
-          <a:pPr lvl="0" algn="ctr" defTabSz="933450" rtl="0">
-            <a:lnSpc>
-              <a:spcPct val="100000"/>
-            </a:lnSpc>
-            <a:spcBef>
-              <a:spcPct val="0"/>
-            </a:spcBef>
-            <a:spcAft>
-              <a:spcPct val="35000"/>
-            </a:spcAft>
-            <a:defRPr cap="all"/>
-          </a:pPr>
-          <a:r>
-            <a:rPr lang="pt-BR" sz="2100" kern="1200" noProof="0" dirty="0" smtClean="0"/>
-            <a:t>Cosméticos artesanais</a:t>
-          </a:r>
-          <a:endParaRPr lang="pt-BR" sz="2100" kern="1200" noProof="0" dirty="0"/>
-        </a:p>
-      </dsp:txBody>
-      <dsp:txXfrm>
-        <a:off x="3425756" y="2798862"/>
-        <a:ext cx="2868750" cy="720000"/>
+        <a:off x="945131" y="3091362"/>
+        <a:ext cx="3600000" cy="720000"/>
       </dsp:txXfrm>
     </dsp:sp>
     <dsp:sp modelId="{AE4B8D37-1516-4369-9BEB-385DF52AAF7F}">
@@ -2771,14 +2439,14 @@
       </dsp:nvSpPr>
       <dsp:spPr>
         <a:xfrm>
-          <a:off x="7355943" y="503862"/>
-          <a:ext cx="1749937" cy="1749937"/>
+          <a:off x="5877131" y="211362"/>
+          <a:ext cx="2196000" cy="2196000"/>
         </a:xfrm>
         <a:prstGeom prst="ellipse">
           <a:avLst/>
         </a:prstGeom>
         <a:solidFill>
-          <a:schemeClr val="accent4">
+          <a:schemeClr val="accent3">
             <a:hueOff val="0"/>
             <a:satOff val="0"/>
             <a:lumOff val="0"/>
@@ -2810,14 +2478,14 @@
       </dsp:nvSpPr>
       <dsp:spPr>
         <a:xfrm>
-          <a:off x="7728881" y="876800"/>
-          <a:ext cx="1004062" cy="1004062"/>
+          <a:off x="6345131" y="679362"/>
+          <a:ext cx="1260000" cy="1260000"/>
         </a:xfrm>
         <a:prstGeom prst="rect">
           <a:avLst/>
         </a:prstGeom>
         <a:blipFill>
-          <a:blip xmlns:r="http://schemas.openxmlformats.org/officeDocument/2006/relationships" r:embed="rId3">
+          <a:blip xmlns:r="http://schemas.openxmlformats.org/officeDocument/2006/relationships" r:embed="rId2">
             <a:extLst>
               <a:ext uri="{28A0092B-C50C-407E-A947-70E740481C1C}">
                 <a14:useLocalDpi xmlns:a14="http://schemas.microsoft.com/office/drawing/2010/main" val="0"/>
@@ -2857,8 +2525,8 @@
       </dsp:nvSpPr>
       <dsp:spPr>
         <a:xfrm>
-          <a:off x="6796537" y="2798862"/>
-          <a:ext cx="2868750" cy="720000"/>
+          <a:off x="5175131" y="3091362"/>
+          <a:ext cx="3600000" cy="720000"/>
         </a:xfrm>
         <a:prstGeom prst="rect">
           <a:avLst/>
@@ -2887,7 +2555,7 @@
         </a:bodyPr>
         <a:lstStyle/>
         <a:p>
-          <a:pPr lvl="0" algn="ctr" defTabSz="933450" rtl="0">
+          <a:pPr marL="0" lvl="0" indent="0" algn="ctr" defTabSz="933450">
             <a:lnSpc>
               <a:spcPct val="100000"/>
             </a:lnSpc>
@@ -2897,18 +2565,18 @@
             <a:spcAft>
               <a:spcPct val="35000"/>
             </a:spcAft>
+            <a:buNone/>
             <a:defRPr cap="all"/>
           </a:pPr>
           <a:r>
-            <a:rPr lang="pt-BR" sz="2100" kern="1200" noProof="0" dirty="0" smtClean="0"/>
+            <a:rPr lang="pt-BR" sz="2100" kern="1200" noProof="0" dirty="0"/>
             <a:t>Cuidados pessoais e bem-estar</a:t>
           </a:r>
-          <a:endParaRPr lang="pt-BR" sz="2100" kern="1200" noProof="0" dirty="0"/>
         </a:p>
       </dsp:txBody>
       <dsp:txXfrm>
-        <a:off x="6796537" y="2798862"/>
-        <a:ext cx="2868750" cy="720000"/>
+        <a:off x="5175131" y="3091362"/>
+        <a:ext cx="3600000" cy="720000"/>
       </dsp:txXfrm>
     </dsp:sp>
   </dsp:spTree>
@@ -3001,7 +2669,7 @@
         </a:bodyPr>
         <a:lstStyle/>
         <a:p>
-          <a:pPr lvl="0" algn="ctr" defTabSz="800100" rtl="0">
+          <a:pPr marL="0" lvl="0" indent="0" algn="ctr" defTabSz="800100" rtl="0">
             <a:lnSpc>
               <a:spcPct val="90000"/>
             </a:lnSpc>
@@ -3011,12 +2679,12 @@
             <a:spcAft>
               <a:spcPct val="35000"/>
             </a:spcAft>
+            <a:buNone/>
           </a:pPr>
           <a:r>
-            <a:rPr lang="pt-BR" sz="1800" kern="1200" noProof="0" dirty="0" smtClean="0"/>
+            <a:rPr lang="pt-BR" sz="1800" kern="1200" noProof="0" dirty="0"/>
             <a:t>Análise de concorrência</a:t>
           </a:r>
-          <a:endParaRPr lang="pt-BR" sz="1800" kern="1200" noProof="0" dirty="0"/>
         </a:p>
       </dsp:txBody>
       <dsp:txXfrm>
@@ -3102,7 +2770,7 @@
         </a:bodyPr>
         <a:lstStyle/>
         <a:p>
-          <a:pPr lvl="0" algn="ctr" defTabSz="800100" rtl="0">
+          <a:pPr marL="0" lvl="0" indent="0" algn="ctr" defTabSz="800100" rtl="0">
             <a:lnSpc>
               <a:spcPct val="90000"/>
             </a:lnSpc>
@@ -3112,12 +2780,12 @@
             <a:spcAft>
               <a:spcPct val="35000"/>
             </a:spcAft>
+            <a:buNone/>
           </a:pPr>
           <a:r>
-            <a:rPr lang="pt-BR" sz="1800" kern="1200" noProof="0" dirty="0" smtClean="0"/>
+            <a:rPr lang="pt-BR" sz="1800" kern="1200" noProof="0" dirty="0"/>
             <a:t>Testes de produto</a:t>
           </a:r>
-          <a:endParaRPr lang="pt-BR" sz="1800" kern="1200" noProof="0" dirty="0"/>
         </a:p>
       </dsp:txBody>
       <dsp:txXfrm rot="-5400000">
@@ -3203,7 +2871,7 @@
         </a:bodyPr>
         <a:lstStyle/>
         <a:p>
-          <a:pPr lvl="0" algn="ctr" defTabSz="800100" rtl="0">
+          <a:pPr marL="0" lvl="0" indent="0" algn="ctr" defTabSz="800100" rtl="0">
             <a:lnSpc>
               <a:spcPct val="90000"/>
             </a:lnSpc>
@@ -3213,13 +2881,14 @@
             <a:spcAft>
               <a:spcPct val="35000"/>
             </a:spcAft>
+            <a:buNone/>
           </a:pPr>
           <a:r>
-            <a:rPr lang="pt-BR" sz="1800" kern="1200" noProof="0" dirty="0" smtClean="0"/>
+            <a:rPr lang="pt-BR" sz="1800" kern="1200" noProof="0" dirty="0"/>
             <a:t>Pesquisas online e </a:t>
           </a:r>
           <a:r>
-            <a:rPr lang="pt-BR" sz="1800" kern="1200" noProof="0" dirty="0" err="1" smtClean="0"/>
+            <a:rPr lang="pt-BR" sz="1800" kern="1200" noProof="0" dirty="0" err="1"/>
             <a:t>offline</a:t>
           </a:r>
           <a:endParaRPr lang="pt-BR" sz="1800" kern="1200" noProof="0" dirty="0"/>
@@ -3376,7 +3045,7 @@
             <dgm:adjLst/>
             <dgm:extLst>
               <a:ext uri="{B698B0E9-8C71-41B9-8309-B3DCBF30829C}">
-                <dgm1612:spPr xmlns:dgm1612="http://schemas.microsoft.com/office/drawing/2016/12/diagram" xmlns="">
+                <dgm1612:spPr xmlns:dgm1612="http://schemas.microsoft.com/office/drawing/2016/12/diagram">
                   <a:prstGeom prst="round2DiagRect">
                     <a:avLst>
                       <a:gd name="adj1" fmla="val 29727"/>
@@ -3448,7 +3117,7 @@
   </dgm:layoutNode>
   <dgm:extLst>
     <a:ext uri="{68A01E43-0DF5-4B5B-8FA6-DAF915123BFB}">
-      <dgm1612:lstStyle xmlns:dgm1612="http://schemas.microsoft.com/office/drawing/2016/12/diagram" xmlns="">
+      <dgm1612:lstStyle xmlns:dgm1612="http://schemas.microsoft.com/office/drawing/2016/12/diagram">
         <a:lvl1pPr>
           <a:lnSpc>
             <a:spcPct val="100000"/>
@@ -5748,7 +5417,7 @@
           <p:cNvPr id="2" name="Espaço Reservado para Cabeçalho 1">
             <a:extLst>
               <a:ext uri="{FF2B5EF4-FFF2-40B4-BE49-F238E27FC236}">
-                <a16:creationId xmlns="" xmlns:a16="http://schemas.microsoft.com/office/drawing/2014/main" id="{8DC34CFD-6F4E-4681-B460-A8F7493C7F26}"/>
+                <a16:creationId xmlns:a16="http://schemas.microsoft.com/office/drawing/2014/main" id="{8DC34CFD-6F4E-4681-B460-A8F7493C7F26}"/>
               </a:ext>
             </a:extLst>
           </p:cNvPr>
@@ -5785,7 +5454,7 @@
           <p:cNvPr id="3" name="Espaço Reservado para Data 2">
             <a:extLst>
               <a:ext uri="{FF2B5EF4-FFF2-40B4-BE49-F238E27FC236}">
-                <a16:creationId xmlns="" xmlns:a16="http://schemas.microsoft.com/office/drawing/2014/main" id="{F3322E13-55DF-4A70-91A8-410C5C2D8BE2}"/>
+                <a16:creationId xmlns:a16="http://schemas.microsoft.com/office/drawing/2014/main" id="{F3322E13-55DF-4A70-91A8-410C5C2D8BE2}"/>
               </a:ext>
             </a:extLst>
           </p:cNvPr>
@@ -5815,7 +5484,7 @@
           <a:p>
             <a:fld id="{F51C2F05-C415-4BA9-ACDB-AC39A3A9B8F9}" type="datetime1">
               <a:rPr lang="pt-BR" smtClean="0"/>
-              <a:t>22/08/2024</a:t>
+              <a:t>23/08/2024</a:t>
             </a:fld>
             <a:endParaRPr lang="pt-BR" dirty="0"/>
           </a:p>
@@ -5826,7 +5495,7 @@
           <p:cNvPr id="4" name="Espaço Reservado para Rodapé 3">
             <a:extLst>
               <a:ext uri="{FF2B5EF4-FFF2-40B4-BE49-F238E27FC236}">
-                <a16:creationId xmlns="" xmlns:a16="http://schemas.microsoft.com/office/drawing/2014/main" id="{C6B0BA75-E10A-47EF-BE58-F600D0CE7A49}"/>
+                <a16:creationId xmlns:a16="http://schemas.microsoft.com/office/drawing/2014/main" id="{C6B0BA75-E10A-47EF-BE58-F600D0CE7A49}"/>
               </a:ext>
             </a:extLst>
           </p:cNvPr>
@@ -5863,7 +5532,7 @@
           <p:cNvPr id="5" name="Espaço Reservado para Número de Slide 4">
             <a:extLst>
               <a:ext uri="{FF2B5EF4-FFF2-40B4-BE49-F238E27FC236}">
-                <a16:creationId xmlns="" xmlns:a16="http://schemas.microsoft.com/office/drawing/2014/main" id="{18518574-FB4D-4659-9BAD-C6176B8C04F2}"/>
+                <a16:creationId xmlns:a16="http://schemas.microsoft.com/office/drawing/2014/main" id="{18518574-FB4D-4659-9BAD-C6176B8C04F2}"/>
               </a:ext>
             </a:extLst>
           </p:cNvPr>
@@ -5993,7 +5662,7 @@
             <a:fld id="{F6007472-DC86-4397-84EF-37EB9367CC46}" type="datetime1">
               <a:rPr lang="pt-BR" smtClean="0"/>
               <a:pPr/>
-              <a:t>22/08/2024</a:t>
+              <a:t>23/08/2024</a:t>
             </a:fld>
             <a:endParaRPr lang="pt-BR" dirty="0"/>
           </a:p>
@@ -6749,7 +6418,7 @@
             <a:pPr rtl="0"/>
             <a:fld id="{B5678EED-F689-4FB2-886F-89739D370DFD}" type="datetime1">
               <a:rPr lang="pt-BR" noProof="0" smtClean="0"/>
-              <a:t>22/08/2024</a:t>
+              <a:t>23/08/2024</a:t>
             </a:fld>
             <a:endParaRPr lang="pt-BR" noProof="0"/>
           </a:p>
@@ -6998,7 +6667,7 @@
             <a:pPr rtl="0"/>
             <a:fld id="{1B042EA7-8920-4EE1-AC33-01E92C8DFC22}" type="datetime1">
               <a:rPr lang="pt-BR" noProof="0" smtClean="0"/>
-              <a:t>22/08/2024</a:t>
+              <a:t>23/08/2024</a:t>
             </a:fld>
             <a:endParaRPr lang="pt-BR" noProof="0"/>
           </a:p>
@@ -7104,10 +6773,9 @@
           <a:p>
             <a:pPr rtl="0"/>
             <a:r>
-              <a:rPr lang="pt-BR" noProof="0" smtClean="0"/>
+              <a:rPr lang="pt-BR" noProof="0"/>
               <a:t>Clique para editar o título mestre</a:t>
             </a:r>
-            <a:endParaRPr lang="pt-BR" noProof="0"/>
           </a:p>
         </p:txBody>
       </p:sp>
@@ -7185,7 +6853,7 @@
             <a:pPr rtl="0"/>
             <a:fld id="{1A79B177-77B1-44CE-926D-21A296453815}" type="datetime1">
               <a:rPr lang="pt-BR" noProof="0" smtClean="0"/>
-              <a:t>22/08/2024</a:t>
+              <a:t>23/08/2024</a:t>
             </a:fld>
             <a:endParaRPr lang="pt-BR" noProof="0"/>
           </a:p>
@@ -7396,7 +7064,7 @@
             <a:pPr rtl="0"/>
             <a:fld id="{D5BF5425-8D69-423C-81A7-72CE3610C0A0}" type="datetime1">
               <a:rPr lang="pt-BR" noProof="0" smtClean="0"/>
-              <a:t>22/08/2024</a:t>
+              <a:t>23/08/2024</a:t>
             </a:fld>
             <a:endParaRPr lang="pt-BR" noProof="0"/>
           </a:p>
@@ -7660,7 +7328,7 @@
             <a:pPr rtl="0"/>
             <a:fld id="{9CEEF83A-CEF6-40A3-99AE-C9E5D34C07F3}" type="datetime1">
               <a:rPr lang="pt-BR" noProof="0" smtClean="0"/>
-              <a:t>22/08/2024</a:t>
+              <a:t>23/08/2024</a:t>
             </a:fld>
             <a:endParaRPr lang="pt-BR" noProof="0"/>
           </a:p>
@@ -8012,7 +7680,7 @@
             <a:pPr rtl="0"/>
             <a:fld id="{DABACE7C-8C8D-4905-8067-32C4FAF8B251}" type="datetime1">
               <a:rPr lang="pt-BR" noProof="0" smtClean="0"/>
-              <a:t>22/08/2024</a:t>
+              <a:t>23/08/2024</a:t>
             </a:fld>
             <a:endParaRPr lang="pt-BR" noProof="0"/>
           </a:p>
@@ -8113,10 +7781,9 @@
           <a:p>
             <a:pPr rtl="0"/>
             <a:r>
-              <a:rPr lang="pt-BR" noProof="0" smtClean="0"/>
+              <a:rPr lang="pt-BR" noProof="0"/>
               <a:t>Clique para editar o título mestre</a:t>
             </a:r>
-            <a:endParaRPr lang="pt-BR" noProof="0"/>
           </a:p>
         </p:txBody>
       </p:sp>
@@ -8420,7 +8087,7 @@
             <a:pPr rtl="0"/>
             <a:fld id="{66FCEBE8-5F22-4527-A84D-A13F936C203B}" type="datetime1">
               <a:rPr lang="pt-BR" noProof="0" smtClean="0"/>
-              <a:t>22/08/2024</a:t>
+              <a:t>23/08/2024</a:t>
             </a:fld>
             <a:endParaRPr lang="pt-BR" noProof="0"/>
           </a:p>
@@ -8545,7 +8212,7 @@
             <a:pPr rtl="0"/>
             <a:fld id="{82FCF810-4396-43DA-A5E7-A67E7681FA68}" type="datetime1">
               <a:rPr lang="pt-BR" noProof="0" smtClean="0"/>
-              <a:t>22/08/2024</a:t>
+              <a:t>23/08/2024</a:t>
             </a:fld>
             <a:endParaRPr lang="pt-BR" noProof="0"/>
           </a:p>
@@ -8647,7 +8314,7 @@
             <a:pPr rtl="0"/>
             <a:fld id="{A4ACFFFF-E1F8-48F5-965B-14CB7B442123}" type="datetime1">
               <a:rPr lang="pt-BR" noProof="0" smtClean="0"/>
-              <a:t>22/08/2024</a:t>
+              <a:t>23/08/2024</a:t>
             </a:fld>
             <a:endParaRPr lang="pt-BR" noProof="0"/>
           </a:p>
@@ -8762,10 +8429,9 @@
           <a:p>
             <a:pPr rtl="0"/>
             <a:r>
-              <a:rPr lang="pt-BR" noProof="0" smtClean="0"/>
+              <a:rPr lang="pt-BR" noProof="0"/>
               <a:t>Clique para editar o título mestre</a:t>
             </a:r>
-            <a:endParaRPr lang="pt-BR" noProof="0"/>
           </a:p>
         </p:txBody>
       </p:sp>
@@ -8944,7 +8610,7 @@
             <a:pPr rtl="0"/>
             <a:fld id="{E78B1FCC-60ED-426A-85D3-CA3F1A2A5783}" type="datetime1">
               <a:rPr lang="pt-BR" noProof="0" smtClean="0"/>
-              <a:t>22/08/2024</a:t>
+              <a:t>23/08/2024</a:t>
             </a:fld>
             <a:endParaRPr lang="pt-BR" noProof="0"/>
           </a:p>
@@ -9127,10 +8793,9 @@
           <a:p>
             <a:pPr rtl="0"/>
             <a:r>
-              <a:rPr lang="pt-BR" noProof="0" smtClean="0"/>
+              <a:rPr lang="pt-BR" noProof="0"/>
               <a:t>Clique no ícone para adicionar uma imagem</a:t>
             </a:r>
-            <a:endParaRPr lang="pt-BR" noProof="0"/>
           </a:p>
         </p:txBody>
       </p:sp>
@@ -9232,7 +8897,7 @@
             <a:pPr rtl="0"/>
             <a:fld id="{1A335D08-4221-4E34-9FD4-D4C266AA6720}" type="datetime1">
               <a:rPr lang="pt-BR" noProof="0" smtClean="0"/>
-              <a:t>22/08/2024</a:t>
+              <a:t>23/08/2024</a:t>
             </a:fld>
             <a:endParaRPr lang="pt-BR" noProof="0"/>
           </a:p>
@@ -9488,7 +9153,7 @@
             <a:pPr rtl="0"/>
             <a:fld id="{020FA7C1-0047-4EA8-A325-BDB85F07AD82}" type="datetime1">
               <a:rPr lang="pt-BR" noProof="0" smtClean="0"/>
-              <a:t>22/08/2024</a:t>
+              <a:t>23/08/2024</a:t>
             </a:fld>
             <a:endParaRPr lang="pt-BR" noProof="0"/>
           </a:p>
@@ -10011,10 +9676,10 @@
           <p:cNvPr id="18" name="Retângulo 17">
             <a:extLst>
               <a:ext uri="{FF2B5EF4-FFF2-40B4-BE49-F238E27FC236}">
-                <a16:creationId xmlns="" xmlns:a16="http://schemas.microsoft.com/office/drawing/2014/main" id="{B8D726A5-7900-41B4-8D49-49B4A2010E7C}"/>
+                <a16:creationId xmlns:a16="http://schemas.microsoft.com/office/drawing/2014/main" id="{B8D726A5-7900-41B4-8D49-49B4A2010E7C}"/>
               </a:ext>
               <a:ext uri="{C183D7F6-B498-43B3-948B-1728B52AA6E4}">
-                <adec:decorative xmlns="" xmlns:adec="http://schemas.microsoft.com/office/drawing/2017/decorative" val="1"/>
+                <adec:decorative xmlns:adec="http://schemas.microsoft.com/office/drawing/2017/decorative" val="1"/>
               </a:ext>
             </a:extLst>
           </p:cNvPr>
@@ -10024,7 +9689,7 @@
           <p:nvPr>
             <p:extLst>
               <p:ext uri="{386F3935-93C4-4BCD-93E2-E3B085C9AB24}">
-                <p16:designElem xmlns="" xmlns:p16="http://schemas.microsoft.com/office/powerpoint/2015/main" val="1"/>
+                <p16:designElem xmlns:p16="http://schemas.microsoft.com/office/powerpoint/2015/main" val="1"/>
               </p:ext>
             </p:extLst>
           </p:nvPr>
@@ -10071,7 +9736,7 @@
           <p:cNvPr id="7" name="Imagem 6" descr="Grãos de café">
             <a:extLst>
               <a:ext uri="{FF2B5EF4-FFF2-40B4-BE49-F238E27FC236}">
-                <a16:creationId xmlns="" xmlns:a16="http://schemas.microsoft.com/office/drawing/2014/main" id="{291BDB91-E757-4677-A38C-EB354240C835}"/>
+                <a16:creationId xmlns:a16="http://schemas.microsoft.com/office/drawing/2014/main" id="{291BDB91-E757-4677-A38C-EB354240C835}"/>
               </a:ext>
             </a:extLst>
           </p:cNvPr>
@@ -10107,7 +9772,7 @@
           <p:cNvPr id="2" name="Título 1">
             <a:extLst>
               <a:ext uri="{FF2B5EF4-FFF2-40B4-BE49-F238E27FC236}">
-                <a16:creationId xmlns="" xmlns:a16="http://schemas.microsoft.com/office/drawing/2014/main" id="{050E78D6-F072-48E7-8270-20EFBDD26F36}"/>
+                <a16:creationId xmlns:a16="http://schemas.microsoft.com/office/drawing/2014/main" id="{050E78D6-F072-48E7-8270-20EFBDD26F36}"/>
               </a:ext>
             </a:extLst>
           </p:cNvPr>
@@ -10135,7 +9800,7 @@
           <a:p>
             <a:pPr algn="ctr" rtl="0"/>
             <a:r>
-              <a:rPr lang="pt-BR" sz="7200" b="1" cap="none" dirty="0" smtClean="0">
+              <a:rPr lang="pt-BR" sz="7200" b="1" cap="none" dirty="0">
                 <a:solidFill>
                   <a:schemeClr val="tx1"/>
                 </a:solidFill>
@@ -10143,25 +9808,20 @@
               <a:t>Café &amp;</a:t>
             </a:r>
             <a:br>
-              <a:rPr lang="pt-BR" sz="7200" b="1" cap="none" dirty="0" smtClean="0">
+              <a:rPr lang="pt-BR" sz="7200" b="1" cap="none" dirty="0">
                 <a:solidFill>
                   <a:schemeClr val="tx1"/>
                 </a:solidFill>
               </a:rPr>
             </a:br>
             <a:r>
-              <a:rPr lang="pt-BR" sz="7200" b="1" cap="none" dirty="0" smtClean="0">
+              <a:rPr lang="pt-BR" sz="7200" b="1" cap="none" dirty="0">
                 <a:solidFill>
                   <a:schemeClr val="tx1"/>
                 </a:solidFill>
               </a:rPr>
               <a:t>Glicerina</a:t>
             </a:r>
-            <a:endParaRPr lang="pt-BR" sz="7200" b="1" cap="none" dirty="0">
-              <a:solidFill>
-                <a:schemeClr val="tx1"/>
-              </a:solidFill>
-            </a:endParaRPr>
           </a:p>
         </p:txBody>
       </p:sp>
@@ -10170,7 +9830,7 @@
           <p:cNvPr id="3" name="Subtítulo 2">
             <a:extLst>
               <a:ext uri="{FF2B5EF4-FFF2-40B4-BE49-F238E27FC236}">
-                <a16:creationId xmlns="" xmlns:a16="http://schemas.microsoft.com/office/drawing/2014/main" id="{3FC7BD98-5486-489C-BAA0-A69CEFF691B3}"/>
+                <a16:creationId xmlns:a16="http://schemas.microsoft.com/office/drawing/2014/main" id="{3FC7BD98-5486-489C-BAA0-A69CEFF691B3}"/>
               </a:ext>
             </a:extLst>
           </p:cNvPr>
@@ -10198,18 +9858,13 @@
           <a:p>
             <a:pPr rtl="0"/>
             <a:r>
-              <a:rPr lang="pt-BR" sz="2800" dirty="0" smtClean="0">
+              <a:rPr lang="pt-BR" sz="2800" dirty="0">
                 <a:solidFill>
                   <a:schemeClr val="tx1"/>
                 </a:solidFill>
               </a:rPr>
               <a:t>PELE MACIA E ESFOLIADA</a:t>
             </a:r>
-            <a:endParaRPr lang="pt-BR" sz="2800" dirty="0">
-              <a:solidFill>
-                <a:schemeClr val="tx1"/>
-              </a:solidFill>
-            </a:endParaRPr>
           </a:p>
         </p:txBody>
       </p:sp>
@@ -10218,10 +9873,10 @@
           <p:cNvPr id="20" name="Conector reto 19">
             <a:extLst>
               <a:ext uri="{FF2B5EF4-FFF2-40B4-BE49-F238E27FC236}">
-                <a16:creationId xmlns="" xmlns:a16="http://schemas.microsoft.com/office/drawing/2014/main" id="{46E49661-E258-450C-8150-A91A6B30D1CD}"/>
+                <a16:creationId xmlns:a16="http://schemas.microsoft.com/office/drawing/2014/main" id="{46E49661-E258-450C-8150-A91A6B30D1CD}"/>
               </a:ext>
               <a:ext uri="{C183D7F6-B498-43B3-948B-1728B52AA6E4}">
-                <adec:decorative xmlns="" xmlns:adec="http://schemas.microsoft.com/office/drawing/2017/decorative" val="1"/>
+                <adec:decorative xmlns:adec="http://schemas.microsoft.com/office/drawing/2017/decorative" val="1"/>
               </a:ext>
             </a:extLst>
           </p:cNvPr>
@@ -10231,7 +9886,7 @@
           <p:nvPr>
             <p:extLst>
               <p:ext uri="{386F3935-93C4-4BCD-93E2-E3B085C9AB24}">
-                <p16:designElem xmlns="" xmlns:p16="http://schemas.microsoft.com/office/powerpoint/2015/main" val="1"/>
+                <p16:designElem xmlns:p16="http://schemas.microsoft.com/office/powerpoint/2015/main" val="1"/>
               </p:ext>
             </p:extLst>
           </p:nvPr>
@@ -10275,13 +9930,6 @@
   <p:clrMapOvr>
     <a:masterClrMapping/>
   </p:clrMapOvr>
-  <p:timing>
-    <p:tnLst>
-      <p:par>
-        <p:cTn id="1" dur="indefinite" restart="never" nodeType="tmRoot"/>
-      </p:par>
-    </p:tnLst>
-  </p:timing>
 </p:sld>
 </file>
 
@@ -10318,10 +9966,9 @@
           <a:lstStyle/>
           <a:p>
             <a:r>
-              <a:rPr lang="pt-BR" dirty="0" smtClean="0"/>
+              <a:rPr lang="pt-BR" dirty="0"/>
               <a:t>SABONETE EM BARRA COM ESFOLIAÇÃO INEGRADA</a:t>
             </a:r>
-            <a:endParaRPr lang="pt-BR" dirty="0"/>
           </a:p>
         </p:txBody>
       </p:sp>
@@ -10381,11 +10028,7 @@
             </a:r>
             <a:r>
               <a:rPr lang="pt-BR" dirty="0"/>
-              <a:t> natural, removendo suavemente as células mortas da pele e promovendo a renovação </a:t>
-            </a:r>
-            <a:r>
-              <a:rPr lang="pt-BR" dirty="0" smtClean="0"/>
-              <a:t>celular, e a base </a:t>
+              <a:t> natural, removendo suavemente as células mortas da pele e promovendo a renovação celular, e a base </a:t>
             </a:r>
             <a:r>
               <a:rPr lang="pt-BR" dirty="0" err="1"/>
@@ -10393,31 +10036,14 @@
             </a:r>
             <a:r>
               <a:rPr lang="pt-BR" dirty="0"/>
-              <a:t>, </a:t>
-            </a:r>
-            <a:r>
-              <a:rPr lang="pt-BR" dirty="0" smtClean="0"/>
-              <a:t>que por </a:t>
-            </a:r>
+              <a:t>, que por sua vez, é um dos principais elementos do sabonete, conhecida por sua capacidade de atrair e reter a umidade na pele, garantindo uma hidratação profunda.</a:t>
+            </a:r>
+          </a:p>
+          <a:p>
             <a:r>
               <a:rPr lang="pt-BR" dirty="0"/>
-              <a:t>sua vez, é um dos principais elementos do sabonete, conhecida por sua capacidade de atrair e reter a umidade na pele, garantindo uma hidratação profunda.</a:t>
-            </a:r>
-          </a:p>
-          <a:p>
-            <a:r>
-              <a:rPr lang="pt-BR" dirty="0" smtClean="0"/>
-              <a:t>Com esses ingredientes estamos focados </a:t>
-            </a:r>
-            <a:r>
-              <a:rPr lang="pt-BR" dirty="0"/>
-              <a:t>em proporcionar uma experiência de cuidado pessoal completa e eficaz</a:t>
-            </a:r>
-            <a:r>
-              <a:rPr lang="pt-BR" dirty="0" smtClean="0"/>
-              <a:t>.</a:t>
-            </a:r>
-            <a:endParaRPr lang="pt-BR" dirty="0"/>
+              <a:t>Com esses ingredientes estamos focados em proporcionar uma experiência de cuidado pessoal completa e eficaz.</a:t>
+            </a:r>
           </a:p>
         </p:txBody>
       </p:sp>
@@ -10431,13 +10057,6 @@
   <p:clrMapOvr>
     <a:masterClrMapping/>
   </p:clrMapOvr>
-  <p:timing>
-    <p:tnLst>
-      <p:par>
-        <p:cTn id="1" dur="indefinite" restart="never" nodeType="tmRoot"/>
-      </p:par>
-    </p:tnLst>
-  </p:timing>
 </p:sld>
 </file>
 
@@ -10474,10 +10093,9 @@
           <a:lstStyle/>
           <a:p>
             <a:r>
-              <a:rPr lang="pt-BR" dirty="0" smtClean="0"/>
+              <a:rPr lang="pt-BR" dirty="0"/>
               <a:t>O que o torna diferente?</a:t>
             </a:r>
-            <a:endParaRPr lang="pt-BR" dirty="0"/>
           </a:p>
         </p:txBody>
       </p:sp>
@@ -10503,24 +10121,8 @@
               <a:buChar char="•"/>
             </a:pPr>
             <a:r>
-              <a:rPr lang="pt-BR" dirty="0" smtClean="0"/>
-              <a:t>Esfoliação </a:t>
-            </a:r>
-            <a:r>
               <a:rPr lang="pt-BR" dirty="0"/>
-              <a:t>com café natural: </a:t>
-            </a:r>
-            <a:r>
-              <a:rPr lang="pt-BR" dirty="0" smtClean="0"/>
-              <a:t>A </a:t>
-            </a:r>
-            <a:r>
-              <a:rPr lang="pt-BR" dirty="0"/>
-              <a:t>escolha do café não é apenas pela sua textura ideal para esfoliação, mas também por seus benefícios antioxidantes, que auxiliam na proteção e revitalização da pele</a:t>
-            </a:r>
-            <a:r>
-              <a:rPr lang="pt-BR" dirty="0" smtClean="0"/>
-              <a:t>.</a:t>
+              <a:t>Esfoliação com café natural: A escolha do café não é apenas pela sua textura ideal para esfoliação, mas também por seus benefícios antioxidantes, que auxiliam na proteção e revitalização da pele.</a:t>
             </a:r>
           </a:p>
           <a:p>
@@ -10529,7 +10131,7 @@
               <a:buChar char="•"/>
             </a:pPr>
             <a:r>
-              <a:rPr lang="pt-BR" dirty="0" smtClean="0"/>
+              <a:rPr lang="pt-BR" dirty="0"/>
               <a:t>Base </a:t>
             </a:r>
             <a:r>
@@ -10538,17 +10140,8 @@
             </a:r>
             <a:r>
               <a:rPr lang="pt-BR" dirty="0"/>
-              <a:t>: </a:t>
-            </a:r>
-            <a:r>
-              <a:rPr lang="pt-BR" dirty="0" smtClean="0"/>
-              <a:t>A </a:t>
-            </a:r>
-            <a:r>
-              <a:rPr lang="pt-BR" dirty="0"/>
-              <a:t>glicerina também é suave, o que faz com que o sabonete seja adequado para todos os tipos de pele, inclusive as mais sensíveis. Ao hidratar enquanto esfolia, o sabonete deixa a pele macia, renovada e com uma sensação de frescor duradouro. </a:t>
-            </a:r>
-            <a:endParaRPr lang="pt-BR" dirty="0" smtClean="0"/>
+              <a:t>: A glicerina também é suave, o que faz com que o sabonete seja adequado para todos os tipos de pele, inclusive as mais sensíveis. Ao hidratar enquanto esfolia, o sabonete deixa a pele macia, renovada e com uma sensação de frescor duradouro. </a:t>
+            </a:r>
           </a:p>
           <a:p>
             <a:pPr>
@@ -10556,26 +10149,8 @@
               <a:buChar char="•"/>
             </a:pPr>
             <a:r>
-              <a:rPr lang="pt-BR" dirty="0" smtClean="0"/>
-              <a:t>Produção </a:t>
-            </a:r>
-            <a:r>
               <a:rPr lang="pt-BR" dirty="0"/>
-              <a:t>artesanal: Cada sabonete é feito à mão, garantindo exclusividade e um toque pessoal em cada barra. </a:t>
-            </a:r>
-          </a:p>
-          <a:p>
-            <a:pPr>
-              <a:buFont typeface="Arial" panose="020B0604020202020204" pitchFamily="34" charset="0"/>
-              <a:buChar char="•"/>
-            </a:pPr>
-            <a:r>
-              <a:rPr lang="pt-BR" dirty="0" smtClean="0"/>
-              <a:t>Sustentabilidade</a:t>
-            </a:r>
-            <a:r>
-              <a:rPr lang="pt-BR" dirty="0"/>
-              <a:t>: O produto é desenvolvido com foco em práticas sustentáveis, utilizando ingredientes naturais.</a:t>
+              <a:t>Sustentabilidade: O produto é desenvolvido com foco em práticas sustentáveis, utilizando ingredientes naturais.</a:t>
             </a:r>
           </a:p>
         </p:txBody>
@@ -10590,13 +10165,6 @@
   <p:clrMapOvr>
     <a:masterClrMapping/>
   </p:clrMapOvr>
-  <p:timing>
-    <p:tnLst>
-      <p:par>
-        <p:cTn id="1" dur="indefinite" restart="never" nodeType="tmRoot"/>
-      </p:par>
-    </p:tnLst>
-  </p:timing>
 </p:sld>
 </file>
 
@@ -10633,10 +10201,9 @@
           <a:lstStyle/>
           <a:p>
             <a:r>
-              <a:rPr lang="pt-BR" dirty="0" smtClean="0"/>
+              <a:rPr lang="pt-BR" dirty="0"/>
               <a:t>Público alvo e mercado</a:t>
             </a:r>
-            <a:endParaRPr lang="pt-BR" dirty="0"/>
           </a:p>
         </p:txBody>
       </p:sp>
@@ -10656,10 +10223,9 @@
           <a:lstStyle/>
           <a:p>
             <a:r>
-              <a:rPr lang="pt-BR" dirty="0" smtClean="0"/>
+              <a:rPr lang="pt-BR" dirty="0"/>
               <a:t>Público alvo</a:t>
             </a:r>
-            <a:endParaRPr lang="pt-BR" dirty="0"/>
           </a:p>
         </p:txBody>
       </p:sp>
@@ -10701,10 +10267,9 @@
           <a:lstStyle/>
           <a:p>
             <a:r>
-              <a:rPr lang="pt-BR" dirty="0" smtClean="0"/>
+              <a:rPr lang="pt-BR" dirty="0"/>
               <a:t>Importância do produto para o mercado</a:t>
             </a:r>
-            <a:endParaRPr lang="pt-BR" dirty="0"/>
           </a:p>
         </p:txBody>
       </p:sp>
@@ -10740,13 +10305,6 @@
   <p:clrMapOvr>
     <a:masterClrMapping/>
   </p:clrMapOvr>
-  <p:timing>
-    <p:tnLst>
-      <p:par>
-        <p:cTn id="1" dur="indefinite" restart="never" nodeType="tmRoot"/>
-      </p:par>
-    </p:tnLst>
-  </p:timing>
 </p:sld>
 </file>
 
@@ -10783,10 +10341,9 @@
           <a:lstStyle/>
           <a:p>
             <a:r>
-              <a:rPr lang="pt-BR" dirty="0" smtClean="0"/>
+              <a:rPr lang="pt-BR" dirty="0"/>
               <a:t>Como adquirir o produto</a:t>
             </a:r>
-            <a:endParaRPr lang="pt-BR" dirty="0"/>
           </a:p>
         </p:txBody>
       </p:sp>
@@ -10914,13 +10471,6 @@
   <p:clrMapOvr>
     <a:masterClrMapping/>
   </p:clrMapOvr>
-  <p:timing>
-    <p:tnLst>
-      <p:par>
-        <p:cTn id="1" dur="indefinite" restart="never" nodeType="tmRoot"/>
-      </p:par>
-    </p:tnLst>
-  </p:timing>
 </p:sld>
 </file>
 
@@ -10964,7 +10514,7 @@
           <p:cNvPr id="2" name="Título 1">
             <a:extLst>
               <a:ext uri="{FF2B5EF4-FFF2-40B4-BE49-F238E27FC236}">
-                <a16:creationId xmlns="" xmlns:a16="http://schemas.microsoft.com/office/drawing/2014/main" id="{78B91C57-2090-466E-B05A-DA282135678E}"/>
+                <a16:creationId xmlns:a16="http://schemas.microsoft.com/office/drawing/2014/main" id="{78B91C57-2090-466E-B05A-DA282135678E}"/>
               </a:ext>
             </a:extLst>
           </p:cNvPr>
@@ -10992,10 +10542,9 @@
           <a:p>
             <a:pPr rtl="0"/>
             <a:r>
-              <a:rPr lang="pt-BR" b="1" dirty="0" smtClean="0"/>
+              <a:rPr lang="pt-BR" b="1" dirty="0"/>
               <a:t>Tipo de mercado disponível e vantagens competitivas</a:t>
             </a:r>
-            <a:endParaRPr lang="pt-BR" b="1" dirty="0"/>
           </a:p>
         </p:txBody>
       </p:sp>
@@ -11004,7 +10553,7 @@
           <p:cNvPr id="5" name="Espaço Reservado para Conteúdo 2" descr="Marcadores de Ícone">
             <a:extLst>
               <a:ext uri="{FF2B5EF4-FFF2-40B4-BE49-F238E27FC236}">
-                <a16:creationId xmlns="" xmlns:a16="http://schemas.microsoft.com/office/drawing/2014/main" id="{ACE5AD74-04D5-49BC-88CF-B67398F8B46C}"/>
+                <a16:creationId xmlns:a16="http://schemas.microsoft.com/office/drawing/2014/main" id="{ACE5AD74-04D5-49BC-88CF-B67398F8B46C}"/>
               </a:ext>
             </a:extLst>
           </p:cNvPr>
@@ -11015,7 +10564,7 @@
             <p:ph idx="1"/>
             <p:extLst>
               <p:ext uri="{D42A27DB-BD31-4B8C-83A1-F6EECF244321}">
-                <p14:modId xmlns:p14="http://schemas.microsoft.com/office/powerpoint/2010/main" val="771894530"/>
+                <p14:modId xmlns:p14="http://schemas.microsoft.com/office/powerpoint/2010/main" val="842270098"/>
               </p:ext>
             </p:extLst>
           </p:nvPr>
@@ -11038,7 +10587,7 @@
         </p:nvSpPr>
         <p:spPr>
           <a:xfrm>
-            <a:off x="1468191" y="4940718"/>
+            <a:off x="2498094" y="5217714"/>
             <a:ext cx="2343955" cy="1200329"/>
           </a:xfrm>
           <a:prstGeom prst="rect">
@@ -11061,43 +10610,14 @@
       </p:sp>
       <p:sp>
         <p:nvSpPr>
-          <p:cNvPr id="6" name="CaixaDeTexto 5"/>
-          <p:cNvSpPr txBox="1"/>
-          <p:nvPr/>
-        </p:nvSpPr>
-        <p:spPr>
-          <a:xfrm>
-            <a:off x="4712091" y="4940717"/>
-            <a:ext cx="2343955" cy="923330"/>
-          </a:xfrm>
-          <a:prstGeom prst="rect">
-            <a:avLst/>
-          </a:prstGeom>
-          <a:noFill/>
-        </p:spPr>
-        <p:txBody>
-          <a:bodyPr wrap="square" rtlCol="0">
-            <a:spAutoFit/>
-          </a:bodyPr>
-          <a:lstStyle/>
-          <a:p>
-            <a:r>
-              <a:rPr lang="pt-BR" dirty="0"/>
-              <a:t>Que valoriza produtos feitos à mão e exclusivos. </a:t>
-            </a:r>
-          </a:p>
-        </p:txBody>
-      </p:sp>
-      <p:sp>
-        <p:nvSpPr>
           <p:cNvPr id="7" name="CaixaDeTexto 6"/>
           <p:cNvSpPr txBox="1"/>
           <p:nvPr/>
         </p:nvSpPr>
         <p:spPr>
           <a:xfrm>
-            <a:off x="8213568" y="4940716"/>
-            <a:ext cx="2343955" cy="1754326"/>
+            <a:off x="6702402" y="5272952"/>
+            <a:ext cx="2625744" cy="1200329"/>
           </a:xfrm>
           <a:prstGeom prst="rect">
             <a:avLst/>
@@ -11127,13 +10647,6 @@
   <p:clrMapOvr>
     <a:masterClrMapping/>
   </p:clrMapOvr>
-  <p:timing>
-    <p:tnLst>
-      <p:par>
-        <p:cTn id="1" dur="indefinite" restart="never" nodeType="tmRoot"/>
-      </p:par>
-    </p:tnLst>
-  </p:timing>
 </p:sld>
 </file>
 
@@ -11167,10 +10680,10 @@
           <p:cNvPr id="12" name="Retângulo 11">
             <a:extLst>
               <a:ext uri="{FF2B5EF4-FFF2-40B4-BE49-F238E27FC236}">
-                <a16:creationId xmlns="" xmlns:a16="http://schemas.microsoft.com/office/drawing/2014/main" id="{841ADA27-F8D7-4034-AACF-0E2C0E2546BE}"/>
+                <a16:creationId xmlns:a16="http://schemas.microsoft.com/office/drawing/2014/main" id="{841ADA27-F8D7-4034-AACF-0E2C0E2546BE}"/>
               </a:ext>
               <a:ext uri="{C183D7F6-B498-43B3-948B-1728B52AA6E4}">
-                <adec:decorative xmlns="" xmlns:adec="http://schemas.microsoft.com/office/drawing/2017/decorative" val="1"/>
+                <adec:decorative xmlns:adec="http://schemas.microsoft.com/office/drawing/2017/decorative" val="1"/>
               </a:ext>
             </a:extLst>
           </p:cNvPr>
@@ -11180,7 +10693,7 @@
           <p:nvPr>
             <p:extLst>
               <p:ext uri="{386F3935-93C4-4BCD-93E2-E3B085C9AB24}">
-                <p16:designElem xmlns="" xmlns:p16="http://schemas.microsoft.com/office/powerpoint/2015/main" val="1"/>
+                <p16:designElem xmlns:p16="http://schemas.microsoft.com/office/powerpoint/2015/main" val="1"/>
               </p:ext>
             </p:extLst>
           </p:nvPr>
@@ -11230,7 +10743,7 @@
           <p:cNvPr id="7" name="Imagem 6" descr="Implantação com mais">
             <a:extLst>
               <a:ext uri="{FF2B5EF4-FFF2-40B4-BE49-F238E27FC236}">
-                <a16:creationId xmlns="" xmlns:a16="http://schemas.microsoft.com/office/drawing/2014/main" id="{CD3172FA-7FBF-4586-8BAE-F8681B4CC272}"/>
+                <a16:creationId xmlns:a16="http://schemas.microsoft.com/office/drawing/2014/main" id="{CD3172FA-7FBF-4586-8BAE-F8681B4CC272}"/>
               </a:ext>
             </a:extLst>
           </p:cNvPr>
@@ -11266,7 +10779,7 @@
           <p:cNvPr id="2" name="Título 1">
             <a:extLst>
               <a:ext uri="{FF2B5EF4-FFF2-40B4-BE49-F238E27FC236}">
-                <a16:creationId xmlns="" xmlns:a16="http://schemas.microsoft.com/office/drawing/2014/main" id="{44DFCA76-5DF3-4D71-A543-CF57216D5E4E}"/>
+                <a16:creationId xmlns:a16="http://schemas.microsoft.com/office/drawing/2014/main" id="{44DFCA76-5DF3-4D71-A543-CF57216D5E4E}"/>
               </a:ext>
             </a:extLst>
           </p:cNvPr>
@@ -11291,18 +10804,13 @@
           <a:p>
             <a:pPr rtl="0"/>
             <a:r>
-              <a:rPr lang="pt-BR" sz="3800" b="1" dirty="0" smtClean="0">
+              <a:rPr lang="pt-BR" sz="3800" b="1" dirty="0">
                 <a:solidFill>
                   <a:srgbClr val="FFFFFF"/>
                 </a:solidFill>
               </a:rPr>
               <a:t>Pesquisa de mercado</a:t>
             </a:r>
-            <a:endParaRPr lang="pt-BR" sz="3800" b="1" dirty="0">
-              <a:solidFill>
-                <a:srgbClr val="FFFFFF"/>
-              </a:solidFill>
-            </a:endParaRPr>
           </a:p>
         </p:txBody>
       </p:sp>
@@ -11311,10 +10819,10 @@
           <p:cNvPr id="14" name="Conector reto 13">
             <a:extLst>
               <a:ext uri="{FF2B5EF4-FFF2-40B4-BE49-F238E27FC236}">
-                <a16:creationId xmlns="" xmlns:a16="http://schemas.microsoft.com/office/drawing/2014/main" id="{9CC82DC8-E7AF-4E0A-B62F-9B79E706D9F3}"/>
+                <a16:creationId xmlns:a16="http://schemas.microsoft.com/office/drawing/2014/main" id="{9CC82DC8-E7AF-4E0A-B62F-9B79E706D9F3}"/>
               </a:ext>
               <a:ext uri="{C183D7F6-B498-43B3-948B-1728B52AA6E4}">
-                <adec:decorative xmlns="" xmlns:adec="http://schemas.microsoft.com/office/drawing/2017/decorative" val="1"/>
+                <adec:decorative xmlns:adec="http://schemas.microsoft.com/office/drawing/2017/decorative" val="1"/>
               </a:ext>
             </a:extLst>
           </p:cNvPr>
@@ -11324,7 +10832,7 @@
           <p:nvPr>
             <p:extLst>
               <p:ext uri="{386F3935-93C4-4BCD-93E2-E3B085C9AB24}">
-                <p16:designElem xmlns="" xmlns:p16="http://schemas.microsoft.com/office/powerpoint/2015/main" val="1"/>
+                <p16:designElem xmlns:p16="http://schemas.microsoft.com/office/powerpoint/2015/main" val="1"/>
               </p:ext>
             </p:extLst>
           </p:nvPr>
@@ -11363,7 +10871,7 @@
           <p:cNvPr id="5" name="Espaço reservado para conteúdo 4" descr="Produto SmartArt">
             <a:extLst>
               <a:ext uri="{FF2B5EF4-FFF2-40B4-BE49-F238E27FC236}">
-                <a16:creationId xmlns="" xmlns:a16="http://schemas.microsoft.com/office/drawing/2014/main" id="{5F324AA3-A8FB-4568-A4CE-E04F36297E6C}"/>
+                <a16:creationId xmlns:a16="http://schemas.microsoft.com/office/drawing/2014/main" id="{5F324AA3-A8FB-4568-A4CE-E04F36297E6C}"/>
               </a:ext>
             </a:extLst>
           </p:cNvPr>
@@ -11394,7 +10902,7 @@
           <p:cNvPr id="9" name="Elemento gráfico 8" descr="Suporte">
             <a:extLst>
               <a:ext uri="{FF2B5EF4-FFF2-40B4-BE49-F238E27FC236}">
-                <a16:creationId xmlns="" xmlns:a16="http://schemas.microsoft.com/office/drawing/2014/main" id="{45AE8B68-96DD-4CAE-A627-B508D397C921}"/>
+                <a16:creationId xmlns:a16="http://schemas.microsoft.com/office/drawing/2014/main" id="{45AE8B68-96DD-4CAE-A627-B508D397C921}"/>
               </a:ext>
             </a:extLst>
           </p:cNvPr>
@@ -11407,7 +10915,7 @@
           <a:blip r:embed="rId9">
             <a:extLst>
               <a:ext uri="{96DAC541-7B7A-43D3-8B79-37D633B846F1}">
-                <asvg:svgBlip xmlns="" xmlns:asvg="http://schemas.microsoft.com/office/drawing/2016/SVG/main" r:embed="rId10"/>
+                <asvg:svgBlip xmlns:asvg="http://schemas.microsoft.com/office/drawing/2016/SVG/main" r:embed="rId10"/>
               </a:ext>
             </a:extLst>
           </a:blip>
@@ -11435,13 +10943,6 @@
   <p:clrMapOvr>
     <a:masterClrMapping/>
   </p:clrMapOvr>
-  <p:timing>
-    <p:tnLst>
-      <p:par>
-        <p:cTn id="1" dur="indefinite" restart="never" nodeType="tmRoot"/>
-      </p:par>
-    </p:tnLst>
-  </p:timing>
 </p:sld>
 </file>
 
@@ -11475,7 +10976,7 @@
           <p:cNvPr id="2" name="Título 1">
             <a:extLst>
               <a:ext uri="{FF2B5EF4-FFF2-40B4-BE49-F238E27FC236}">
-                <a16:creationId xmlns="" xmlns:a16="http://schemas.microsoft.com/office/drawing/2014/main" id="{BD904461-E85A-43E7-AA0B-B7DF596CA62F}"/>
+                <a16:creationId xmlns:a16="http://schemas.microsoft.com/office/drawing/2014/main" id="{BD904461-E85A-43E7-AA0B-B7DF596CA62F}"/>
               </a:ext>
             </a:extLst>
           </p:cNvPr>
@@ -11503,18 +11004,13 @@
           <a:p>
             <a:pPr rtl="0"/>
             <a:r>
-              <a:rPr lang="pt-BR" sz="5400" b="1" dirty="0" smtClean="0">
+              <a:rPr lang="pt-BR" sz="5400" b="1" dirty="0">
                 <a:solidFill>
                   <a:srgbClr val="FFFFFF"/>
                 </a:solidFill>
               </a:rPr>
               <a:t>Obrigada</a:t>
             </a:r>
-            <a:endParaRPr lang="pt-BR" sz="5400" b="1" dirty="0">
-              <a:solidFill>
-                <a:srgbClr val="FFFFFF"/>
-              </a:solidFill>
-            </a:endParaRPr>
           </a:p>
         </p:txBody>
       </p:sp>
@@ -11523,10 +11019,10 @@
           <p:cNvPr id="12" name="Conector reto 11">
             <a:extLst>
               <a:ext uri="{FF2B5EF4-FFF2-40B4-BE49-F238E27FC236}">
-                <a16:creationId xmlns="" xmlns:a16="http://schemas.microsoft.com/office/drawing/2014/main" id="{E0A835C2-2B9B-4174-AA2C-60A4F1311908}"/>
+                <a16:creationId xmlns:a16="http://schemas.microsoft.com/office/drawing/2014/main" id="{E0A835C2-2B9B-4174-AA2C-60A4F1311908}"/>
               </a:ext>
               <a:ext uri="{C183D7F6-B498-43B3-948B-1728B52AA6E4}">
-                <adec:decorative xmlns="" xmlns:adec="http://schemas.microsoft.com/office/drawing/2017/decorative" val="1"/>
+                <adec:decorative xmlns:adec="http://schemas.microsoft.com/office/drawing/2017/decorative" val="1"/>
               </a:ext>
             </a:extLst>
           </p:cNvPr>
@@ -11536,7 +11032,7 @@
           <p:nvPr>
             <p:extLst>
               <p:ext uri="{386F3935-93C4-4BCD-93E2-E3B085C9AB24}">
-                <p16:designElem xmlns="" xmlns:p16="http://schemas.microsoft.com/office/powerpoint/2015/main" val="1"/>
+                <p16:designElem xmlns:p16="http://schemas.microsoft.com/office/powerpoint/2015/main" val="1"/>
               </p:ext>
             </p:extLst>
           </p:nvPr>
@@ -11575,7 +11071,7 @@
           <p:cNvPr id="3" name="Espaço Reservado para Conteúdo 2">
             <a:extLst>
               <a:ext uri="{FF2B5EF4-FFF2-40B4-BE49-F238E27FC236}">
-                <a16:creationId xmlns="" xmlns:a16="http://schemas.microsoft.com/office/drawing/2014/main" id="{9BBDDBE1-00CD-4A90-9BA9-5E79F6C6FDE0}"/>
+                <a16:creationId xmlns:a16="http://schemas.microsoft.com/office/drawing/2014/main" id="{9BBDDBE1-00CD-4A90-9BA9-5E79F6C6FDE0}"/>
               </a:ext>
             </a:extLst>
           </p:cNvPr>
@@ -11842,11 +11338,6 @@
               </a:rPr>
               <a:t>⠀⠀⠀⠀⠀⠀⠀⠀⠀⠀⠀⠀⠀⠀⠀⠀⠀⠀⠀⠀⠀⠉⠉⠀⠀⠀⠀⠀⠀⠀⠀⠀⠀⠀⠀⠀⠀⠁⠂⠓⠛⠁⠀⠀⠀⠀</a:t>
             </a:r>
-            <a:endParaRPr lang="pt-BR" dirty="0">
-              <a:solidFill>
-                <a:srgbClr val="FFFFFF"/>
-              </a:solidFill>
-            </a:endParaRPr>
           </a:p>
         </p:txBody>
       </p:sp>
@@ -11873,10 +11364,9 @@
           <a:lstStyle/>
           <a:p>
             <a:r>
-              <a:rPr lang="pt-BR" dirty="0" smtClean="0"/>
+              <a:rPr lang="pt-BR" dirty="0"/>
               <a:t>Maria Fernanda Pereira Caetano</a:t>
             </a:r>
-            <a:endParaRPr lang="pt-BR" dirty="0"/>
           </a:p>
         </p:txBody>
       </p:sp>
@@ -11903,12 +11393,8 @@
           <a:lstStyle/>
           <a:p>
             <a:r>
-              <a:rPr lang="pt-BR" sz="2800" dirty="0" smtClean="0"/>
-              <a:t>°</a:t>
-            </a:r>
-            <a:r>
               <a:rPr lang="pt-BR" sz="2800" dirty="0"/>
-              <a:t>❀⋆.</a:t>
+              <a:t>°❀⋆.</a:t>
             </a:r>
             <a:r>
               <a:rPr lang="kn-IN" sz="2800" dirty="0"/>
@@ -11944,13 +11430,6 @@
   <p:clrMapOvr>
     <a:masterClrMapping/>
   </p:clrMapOvr>
-  <p:timing>
-    <p:tnLst>
-      <p:par>
-        <p:cTn id="1" dur="indefinite" restart="never" nodeType="tmRoot"/>
-      </p:par>
-    </p:tnLst>
-  </p:timing>
 </p:sld>
 </file>
 
@@ -12813,23 +12292,6 @@
 </file>
 
 <file path=customXml/item1.xml><?xml version="1.0" encoding="utf-8"?>
-<?mso-contentType ?>
-<FormTemplates xmlns="http://schemas.microsoft.com/sharepoint/v3/contenttype/forms">
-  <Display>DocumentLibraryForm</Display>
-  <Edit>DocumentLibraryForm</Edit>
-  <New>DocumentLibraryForm</New>
-</FormTemplates>
-</file>
-
-<file path=customXml/item2.xml><?xml version="1.0" encoding="utf-8"?>
-<p:properties xmlns:p="http://schemas.microsoft.com/office/2006/metadata/properties" xmlns:xsi="http://www.w3.org/2001/XMLSchema-instance" xmlns:pc="http://schemas.microsoft.com/office/infopath/2007/PartnerControls">
-  <documentManagement>
-    <MediaServiceKeyPoints xmlns="71af3243-3dd4-4a8d-8c0d-dd76da1f02a5" xsi:nil="true"/>
-  </documentManagement>
-</p:properties>
-</file>
-
-<file path=customXml/item3.xml><?xml version="1.0" encoding="utf-8"?>
 <ct:contentTypeSchema xmlns:ct="http://schemas.microsoft.com/office/2006/metadata/contentType" xmlns:ma="http://schemas.microsoft.com/office/2006/metadata/properties/metaAttributes" ct:_="" ma:_="" ma:contentTypeName="Document" ma:contentTypeID="0x01010079F111ED35F8CC479449609E8A0923A6" ma:contentTypeVersion="11" ma:contentTypeDescription="Create a new document." ma:contentTypeScope="" ma:versionID="1c2eb7a32e66fb6e4260f3771546a5e2">
   <xsd:schema xmlns:xsd="http://www.w3.org/2001/XMLSchema" xmlns:xs="http://www.w3.org/2001/XMLSchema" xmlns:p="http://schemas.microsoft.com/office/2006/metadata/properties" xmlns:ns2="71af3243-3dd4-4a8d-8c0d-dd76da1f02a5" xmlns:ns3="16c05727-aa75-4e4a-9b5f-8a80a1165891" targetNamespace="http://schemas.microsoft.com/office/2006/metadata/properties" ma:root="true" ma:fieldsID="04e1f6479c48b08974ba73b5ca973489" ns2:_="" ns3:_="">
     <xsd:import namespace="71af3243-3dd4-4a8d-8c0d-dd76da1f02a5"/>
@@ -13040,25 +12502,24 @@
 </ct:contentTypeSchema>
 </file>
 
-<file path=customXml/itemProps1.xml><?xml version="1.0" encoding="utf-8"?>
-<ds:datastoreItem xmlns:ds="http://schemas.openxmlformats.org/officeDocument/2006/customXml" ds:itemID="{3ADE682D-B6B9-42D0-88B0-65F09B3D7CEF}">
-  <ds:schemaRefs>
-    <ds:schemaRef ds:uri="http://schemas.microsoft.com/sharepoint/v3/contenttype/forms"/>
-  </ds:schemaRefs>
-</ds:datastoreItem>
+<file path=customXml/item2.xml><?xml version="1.0" encoding="utf-8"?>
+<p:properties xmlns:p="http://schemas.microsoft.com/office/2006/metadata/properties" xmlns:xsi="http://www.w3.org/2001/XMLSchema-instance" xmlns:pc="http://schemas.microsoft.com/office/infopath/2007/PartnerControls">
+  <documentManagement>
+    <MediaServiceKeyPoints xmlns="71af3243-3dd4-4a8d-8c0d-dd76da1f02a5" xsi:nil="true"/>
+  </documentManagement>
+</p:properties>
 </file>
 
-<file path=customXml/itemProps2.xml><?xml version="1.0" encoding="utf-8"?>
-<ds:datastoreItem xmlns:ds="http://schemas.openxmlformats.org/officeDocument/2006/customXml" ds:itemID="{C10F7A41-B1D0-4876-B6D4-D0473498FCF9}">
-  <ds:schemaRefs>
-    <ds:schemaRef ds:uri="http://schemas.microsoft.com/office/2006/metadata/properties"/>
-    <ds:schemaRef ds:uri="http://schemas.microsoft.com/office/infopath/2007/PartnerControls"/>
-    <ds:schemaRef ds:uri="71af3243-3dd4-4a8d-8c0d-dd76da1f02a5"/>
-  </ds:schemaRefs>
-</ds:datastoreItem>
+<file path=customXml/item3.xml><?xml version="1.0" encoding="utf-8"?>
+<?mso-contentType ?>
+<FormTemplates xmlns="http://schemas.microsoft.com/sharepoint/v3/contenttype/forms">
+  <Display>DocumentLibraryForm</Display>
+  <Edit>DocumentLibraryForm</Edit>
+  <New>DocumentLibraryForm</New>
+</FormTemplates>
 </file>
 
-<file path=customXml/itemProps3.xml><?xml version="1.0" encoding="utf-8"?>
+<file path=customXml/itemProps1.xml><?xml version="1.0" encoding="utf-8"?>
 <ds:datastoreItem xmlns:ds="http://schemas.openxmlformats.org/officeDocument/2006/customXml" ds:itemID="{2A708FAD-CC7A-492F-8811-2B53E77C7333}">
   <ds:schemaRefs>
     <ds:schemaRef ds:uri="http://schemas.microsoft.com/office/2006/metadata/contentType"/>
@@ -13075,4 +12536,22 @@
     <ds:schemaRef ds:uri="http://schemas.microsoft.com/internal/obd"/>
   </ds:schemaRefs>
 </ds:datastoreItem>
+</file>
+
+<file path=customXml/itemProps2.xml><?xml version="1.0" encoding="utf-8"?>
+<ds:datastoreItem xmlns:ds="http://schemas.openxmlformats.org/officeDocument/2006/customXml" ds:itemID="{C10F7A41-B1D0-4876-B6D4-D0473498FCF9}">
+  <ds:schemaRefs>
+    <ds:schemaRef ds:uri="http://schemas.microsoft.com/office/2006/metadata/properties"/>
+    <ds:schemaRef ds:uri="http://schemas.microsoft.com/office/infopath/2007/PartnerControls"/>
+    <ds:schemaRef ds:uri="71af3243-3dd4-4a8d-8c0d-dd76da1f02a5"/>
+  </ds:schemaRefs>
+</ds:datastoreItem>
+</file>
+
+<file path=customXml/itemProps3.xml><?xml version="1.0" encoding="utf-8"?>
+<ds:datastoreItem xmlns:ds="http://schemas.openxmlformats.org/officeDocument/2006/customXml" ds:itemID="{3ADE682D-B6B9-42D0-88B0-65F09B3D7CEF}">
+  <ds:schemaRefs>
+    <ds:schemaRef ds:uri="http://schemas.microsoft.com/sharepoint/v3/contenttype/forms"/>
+  </ds:schemaRefs>
+</ds:datastoreItem>
 </file>